--- a/완성된구조도.pptx
+++ b/완성된구조도.pptx
@@ -6,6 +6,9 @@
   </p:sldMasterIdLst>
   <p:sldIdLst>
     <p:sldId id="257" r:id="rId2"/>
+    <p:sldId id="258" r:id="rId3"/>
+    <p:sldId id="259" r:id="rId4"/>
+    <p:sldId id="260" r:id="rId5"/>
   </p:sldIdLst>
   <p:sldSz cx="12192000" cy="6858000"/>
   <p:notesSz cx="6858000" cy="9144000"/>
@@ -104,6 +107,11 @@
       </a:defRPr>
     </a:lvl9pPr>
   </p:defaultTextStyle>
+  <p:extLst>
+    <p:ext uri="{EFAFB233-063F-42B5-8137-9DF3F51BA10A}">
+      <p15:sldGuideLst xmlns:p15="http://schemas.microsoft.com/office/powerpoint/2012/main"/>
+    </p:ext>
+  </p:extLst>
 </p:presentation>
 </file>
 
@@ -2973,7 +2981,7 @@
         <p:spPr>
           <a:xfrm>
             <a:off x="142005" y="1117627"/>
-            <a:ext cx="1584308" cy="699247"/>
+            <a:ext cx="1584308" cy="1283284"/>
           </a:xfrm>
           <a:prstGeom prst="rect">
             <a:avLst/>
@@ -3007,6 +3015,21 @@
               <a:rPr lang="ko-KR" altLang="en-US" dirty="0" smtClean="0"/>
               <a:t>브라우저</a:t>
             </a:r>
+            <a:endParaRPr lang="en-US" altLang="ko-KR" dirty="0" smtClean="0"/>
+          </a:p>
+          <a:p>
+            <a:pPr algn="ctr"/>
+            <a:r>
+              <a:rPr lang="en-US" altLang="ko-KR" dirty="0" smtClean="0"/>
+              <a:t>1 -&gt; 2</a:t>
+            </a:r>
+          </a:p>
+          <a:p>
+            <a:pPr algn="ctr"/>
+            <a:r>
+              <a:rPr lang="en-US" altLang="ko-KR" dirty="0" smtClean="0"/>
+              <a:t>2 -&gt; 3</a:t>
+            </a:r>
             <a:endParaRPr lang="ko-KR" altLang="en-US" dirty="0"/>
           </a:p>
         </p:txBody>
@@ -3063,7 +3086,7 @@
         </p:nvSpPr>
         <p:spPr>
           <a:xfrm>
-            <a:off x="2213466" y="2514939"/>
+            <a:off x="2235474" y="2543011"/>
             <a:ext cx="1642986" cy="699247"/>
           </a:xfrm>
           <a:prstGeom prst="rect">
@@ -3099,12 +3122,11 @@
             <a:pPr algn="ctr"/>
             <a:r>
               <a:rPr lang="en-US" altLang="ko-KR" dirty="0" smtClean="0"/>
-              <a:t>Interface</a:t>
-            </a:r>
-            <a:r>
-              <a:rPr lang="ko-KR" altLang="en-US" dirty="0" smtClean="0"/>
-              <a:t> </a:t>
-            </a:r>
+              <a:t>Internet</a:t>
+            </a:r>
+          </a:p>
+          <a:p>
+            <a:pPr algn="ctr"/>
             <a:r>
               <a:rPr lang="en-US" altLang="ko-KR" i="1" dirty="0" err="1" smtClean="0"/>
               <a:t>Gageway</a:t>
@@ -3231,7 +3253,7 @@
         </p:nvSpPr>
         <p:spPr>
           <a:xfrm>
-            <a:off x="4379667" y="4917615"/>
+            <a:off x="4408801" y="4619544"/>
             <a:ext cx="1907035" cy="699247"/>
           </a:xfrm>
           <a:prstGeom prst="rect">
@@ -3292,7 +3314,7 @@
         </p:nvSpPr>
         <p:spPr>
           <a:xfrm>
-            <a:off x="7306029" y="4406026"/>
+            <a:off x="7291360" y="4381107"/>
             <a:ext cx="1980385" cy="699247"/>
           </a:xfrm>
           <a:prstGeom prst="rect">
@@ -3463,7 +3485,7 @@
         </p:nvSpPr>
         <p:spPr>
           <a:xfrm>
-            <a:off x="3915131" y="5708739"/>
+            <a:off x="3898829" y="5674596"/>
             <a:ext cx="1178451" cy="369332"/>
           </a:xfrm>
           <a:prstGeom prst="rect">
@@ -3501,7 +3523,7 @@
         <p:spPr>
           <a:xfrm>
             <a:off x="5382082" y="1467250"/>
-            <a:ext cx="2914140" cy="2938776"/>
+            <a:ext cx="2899471" cy="2913857"/>
           </a:xfrm>
           <a:prstGeom prst="bentConnector2">
             <a:avLst/>
@@ -3541,7 +3563,7 @@
         <p:spPr>
           <a:xfrm>
             <a:off x="5382082" y="1467250"/>
-            <a:ext cx="2688191" cy="348262"/>
+            <a:ext cx="2688801" cy="217547"/>
           </a:xfrm>
           <a:prstGeom prst="bentConnector2">
             <a:avLst/>
@@ -3580,8 +3602,8 @@
         </p:nvCxnSpPr>
         <p:spPr>
           <a:xfrm flipV="1">
-            <a:off x="6276924" y="2103322"/>
-            <a:ext cx="803156" cy="1263106"/>
+            <a:off x="6276924" y="1972607"/>
+            <a:ext cx="803766" cy="1393821"/>
           </a:xfrm>
           <a:prstGeom prst="bentConnector3">
             <a:avLst>
@@ -3625,8 +3647,8 @@
         </p:nvCxnSpPr>
         <p:spPr>
           <a:xfrm flipV="1">
-            <a:off x="6286702" y="4755650"/>
-            <a:ext cx="1019327" cy="511589"/>
+            <a:off x="6315836" y="4730731"/>
+            <a:ext cx="975524" cy="238437"/>
           </a:xfrm>
           <a:prstGeom prst="bentConnector3">
             <a:avLst>
@@ -3670,8 +3692,8 @@
         </p:nvCxnSpPr>
         <p:spPr>
           <a:xfrm rot="5400000">
-            <a:off x="3463411" y="1388422"/>
-            <a:ext cx="698066" cy="1554969"/>
+            <a:off x="3460379" y="1413462"/>
+            <a:ext cx="726138" cy="1532961"/>
           </a:xfrm>
           <a:prstGeom prst="bentConnector3">
             <a:avLst>
@@ -3715,8 +3737,8 @@
         </p:nvCxnSpPr>
         <p:spPr>
           <a:xfrm rot="5400000">
-            <a:off x="2718716" y="3501091"/>
-            <a:ext cx="603148" cy="29339"/>
+            <a:off x="2743756" y="3504123"/>
+            <a:ext cx="575076" cy="51347"/>
           </a:xfrm>
           <a:prstGeom prst="bentConnector3">
             <a:avLst>
@@ -3761,7 +3783,7 @@
         <p:spPr>
           <a:xfrm>
             <a:off x="3797774" y="4166958"/>
-            <a:ext cx="581893" cy="1100281"/>
+            <a:ext cx="611027" cy="802210"/>
           </a:xfrm>
           <a:prstGeom prst="bentConnector3">
             <a:avLst>
@@ -3851,7 +3873,7 @@
         <p:spPr>
           <a:xfrm rot="10800000" flipV="1">
             <a:off x="1726314" y="1467249"/>
-            <a:ext cx="2071461" cy="1"/>
+            <a:ext cx="2071461" cy="292019"/>
           </a:xfrm>
           <a:prstGeom prst="bentConnector3">
             <a:avLst>
@@ -3892,8 +3914,8 @@
         </p:nvCxnSpPr>
         <p:spPr>
           <a:xfrm flipV="1">
-            <a:off x="9060465" y="1659217"/>
-            <a:ext cx="907470" cy="444105"/>
+            <a:off x="9061075" y="1659217"/>
+            <a:ext cx="906860" cy="313390"/>
           </a:xfrm>
           <a:prstGeom prst="bentConnector3">
             <a:avLst>
@@ -3934,8 +3956,8 @@
         </p:nvCxnSpPr>
         <p:spPr>
           <a:xfrm flipV="1">
-            <a:off x="9286414" y="1659217"/>
-            <a:ext cx="681521" cy="3096433"/>
+            <a:off x="9271745" y="1659217"/>
+            <a:ext cx="696190" cy="3071514"/>
           </a:xfrm>
           <a:prstGeom prst="bentConnector3">
             <a:avLst>
@@ -3976,8 +3998,8 @@
         </p:nvCxnSpPr>
         <p:spPr>
           <a:xfrm flipV="1">
-            <a:off x="9286414" y="1659217"/>
-            <a:ext cx="681521" cy="3096433"/>
+            <a:off x="9271745" y="1659217"/>
+            <a:ext cx="696190" cy="3071514"/>
           </a:xfrm>
           <a:prstGeom prst="bentConnector3">
             <a:avLst>
@@ -4018,8 +4040,8 @@
         </p:nvCxnSpPr>
         <p:spPr>
           <a:xfrm flipV="1">
-            <a:off x="9286414" y="2832772"/>
-            <a:ext cx="681520" cy="1922878"/>
+            <a:off x="9271745" y="2832772"/>
+            <a:ext cx="696189" cy="1897959"/>
           </a:xfrm>
           <a:prstGeom prst="bentConnector3">
             <a:avLst>
@@ -4139,8 +4161,8 @@
         </p:nvSpPr>
         <p:spPr>
           <a:xfrm>
-            <a:off x="7831076" y="831073"/>
-            <a:ext cx="1178451" cy="369332"/>
+            <a:off x="7831075" y="831073"/>
+            <a:ext cx="4117244" cy="369332"/>
           </a:xfrm>
           <a:prstGeom prst="rect">
             <a:avLst/>
@@ -4154,8 +4176,12 @@
           <a:lstStyle/>
           <a:p>
             <a:r>
+              <a:rPr lang="ko-KR" altLang="en-US" dirty="0" smtClean="0"/>
+              <a:t>과천 </a:t>
+            </a:r>
+            <a:r>
               <a:rPr lang="en-US" altLang="ko-KR" dirty="0" smtClean="0"/>
-              <a:t>AZ-a</a:t>
+              <a:t>: AZ-a(10.1.1. x(0 ~ 255))</a:t>
             </a:r>
             <a:endParaRPr lang="ko-KR" altLang="en-US" dirty="0"/>
           </a:p>
@@ -4170,7 +4196,7 @@
         <p:spPr>
           <a:xfrm>
             <a:off x="7664821" y="3884979"/>
-            <a:ext cx="1178451" cy="369332"/>
+            <a:ext cx="4682024" cy="646331"/>
           </a:xfrm>
           <a:prstGeom prst="rect">
             <a:avLst/>
@@ -4184,9 +4210,20 @@
           <a:lstStyle/>
           <a:p>
             <a:r>
+              <a:rPr lang="ko-KR" altLang="en-US" dirty="0" smtClean="0"/>
+              <a:t>대전 </a:t>
+            </a:r>
+            <a:r>
               <a:rPr lang="en-US" altLang="ko-KR" dirty="0" smtClean="0"/>
-              <a:t>AZ-b</a:t>
-            </a:r>
+              <a:t>: AZ-b(10.1.3.x</a:t>
+            </a:r>
+            <a:r>
+              <a:rPr lang="en-US" altLang="ko-KR" dirty="0"/>
+              <a:t>)</a:t>
+            </a:r>
+            <a:endParaRPr lang="ko-KR" altLang="en-US" dirty="0"/>
+          </a:p>
+          <a:p>
             <a:endParaRPr lang="ko-KR" altLang="en-US" dirty="0"/>
           </a:p>
         </p:txBody>
@@ -4228,7 +4265,7 @@
         </p:nvSpPr>
         <p:spPr>
           <a:xfrm>
-            <a:off x="7080080" y="1815512"/>
+            <a:off x="7080690" y="1684797"/>
             <a:ext cx="1980385" cy="575620"/>
           </a:xfrm>
           <a:prstGeom prst="rect">
@@ -4258,8 +4295,131 @@
             <a:pPr algn="ctr"/>
             <a:r>
               <a:rPr lang="en-US" altLang="ko-KR" dirty="0" smtClean="0"/>
-              <a:t>EC2</a:t>
-            </a:r>
+              <a:t>1 -&gt; 2 -&gt; EC2</a:t>
+            </a:r>
+            <a:endParaRPr lang="en-US" altLang="ko-KR" dirty="0" smtClean="0"/>
+          </a:p>
+        </p:txBody>
+      </p:sp>
+      <p:sp>
+        <p:nvSpPr>
+          <p:cNvPr id="46" name="직사각형 45"/>
+          <p:cNvSpPr/>
+          <p:nvPr/>
+        </p:nvSpPr>
+        <p:spPr>
+          <a:xfrm>
+            <a:off x="7135090" y="2526895"/>
+            <a:ext cx="1980385" cy="575620"/>
+          </a:xfrm>
+          <a:prstGeom prst="rect">
+            <a:avLst/>
+          </a:prstGeom>
+        </p:spPr>
+        <p:style>
+          <a:lnRef idx="2">
+            <a:schemeClr val="accent1">
+              <a:shade val="50000"/>
+            </a:schemeClr>
+          </a:lnRef>
+          <a:fillRef idx="1">
+            <a:schemeClr val="accent1"/>
+          </a:fillRef>
+          <a:effectRef idx="0">
+            <a:schemeClr val="accent1"/>
+          </a:effectRef>
+          <a:fontRef idx="minor">
+            <a:schemeClr val="lt1"/>
+          </a:fontRef>
+        </p:style>
+        <p:txBody>
+          <a:bodyPr rtlCol="0" anchor="ctr"/>
+          <a:lstStyle/>
+          <a:p>
+            <a:pPr algn="ctr"/>
+            <a:r>
+              <a:rPr lang="en-US" altLang="ko-KR" dirty="0" smtClean="0"/>
+              <a:t>2 -&gt; 3 -&gt; EC2</a:t>
+            </a:r>
+            <a:endParaRPr lang="en-US" altLang="ko-KR" dirty="0" smtClean="0"/>
+          </a:p>
+        </p:txBody>
+      </p:sp>
+      <p:sp>
+        <p:nvSpPr>
+          <p:cNvPr id="47" name="직사각형 46"/>
+          <p:cNvSpPr/>
+          <p:nvPr/>
+        </p:nvSpPr>
+        <p:spPr>
+          <a:xfrm>
+            <a:off x="5741652" y="1025791"/>
+            <a:ext cx="1784463" cy="369332"/>
+          </a:xfrm>
+          <a:prstGeom prst="rect">
+            <a:avLst/>
+          </a:prstGeom>
+        </p:spPr>
+        <p:txBody>
+          <a:bodyPr wrap="none">
+            <a:spAutoFit/>
+          </a:bodyPr>
+          <a:lstStyle/>
+          <a:p>
+            <a:r>
+              <a:rPr lang="ko-KR" altLang="en-US" dirty="0" smtClean="0"/>
+              <a:t>프록시 </a:t>
+            </a:r>
+            <a:r>
+              <a:rPr lang="en-US" altLang="ko-KR" dirty="0" smtClean="0"/>
+              <a:t>: </a:t>
+            </a:r>
+            <a:r>
+              <a:rPr lang="ko-KR" altLang="en-US" dirty="0" smtClean="0"/>
+              <a:t>대리인</a:t>
+            </a:r>
+            <a:endParaRPr lang="ko-KR" altLang="en-US" dirty="0"/>
+          </a:p>
+        </p:txBody>
+      </p:sp>
+      <p:sp>
+        <p:nvSpPr>
+          <p:cNvPr id="52" name="직사각형 51"/>
+          <p:cNvSpPr/>
+          <p:nvPr/>
+        </p:nvSpPr>
+        <p:spPr>
+          <a:xfrm>
+            <a:off x="1486374" y="532831"/>
+            <a:ext cx="4402167" cy="369332"/>
+          </a:xfrm>
+          <a:prstGeom prst="rect">
+            <a:avLst/>
+          </a:prstGeom>
+        </p:spPr>
+        <p:txBody>
+          <a:bodyPr wrap="none">
+            <a:spAutoFit/>
+          </a:bodyPr>
+          <a:lstStyle/>
+          <a:p>
+            <a:r>
+              <a:rPr lang="en-US" altLang="ko-KR" dirty="0" smtClean="0"/>
+              <a:t>http 80, https 443, </a:t>
+            </a:r>
+            <a:r>
+              <a:rPr lang="en-US" altLang="ko-KR" dirty="0" err="1" smtClean="0"/>
+              <a:t>ssh</a:t>
+            </a:r>
+            <a:r>
+              <a:rPr lang="en-US" altLang="ko-KR" dirty="0" smtClean="0"/>
+              <a:t> : 22: / </a:t>
+            </a:r>
+            <a:r>
+              <a:rPr lang="ko-KR" altLang="en-US" dirty="0" smtClean="0"/>
+              <a:t>보안 설정 </a:t>
+            </a:r>
+            <a:endParaRPr lang="ko-KR" altLang="en-US" dirty="0"/>
           </a:p>
         </p:txBody>
       </p:sp>
@@ -4267,6 +4427,2587 @@
     <p:extLst>
       <p:ext uri="{BB962C8B-B14F-4D97-AF65-F5344CB8AC3E}">
         <p14:creationId xmlns:p14="http://schemas.microsoft.com/office/powerpoint/2010/main" val="2562975822"/>
+      </p:ext>
+    </p:extLst>
+  </p:cSld>
+  <p:clrMapOvr>
+    <a:masterClrMapping/>
+  </p:clrMapOvr>
+</p:sld>
+</file>
+
+<file path=ppt/slides/slide2.xml><?xml version="1.0" encoding="utf-8"?>
+<p:sld xmlns:a="http://schemas.openxmlformats.org/drawingml/2006/main" xmlns:r="http://schemas.openxmlformats.org/officeDocument/2006/relationships" xmlns:p="http://schemas.openxmlformats.org/presentationml/2006/main">
+  <p:cSld>
+    <p:spTree>
+      <p:nvGrpSpPr>
+        <p:cNvPr id="1" name=""/>
+        <p:cNvGrpSpPr/>
+        <p:nvPr/>
+      </p:nvGrpSpPr>
+      <p:grpSpPr>
+        <a:xfrm>
+          <a:off x="0" y="0"/>
+          <a:ext cx="0" cy="0"/>
+          <a:chOff x="0" y="0"/>
+          <a:chExt cx="0" cy="0"/>
+        </a:xfrm>
+      </p:grpSpPr>
+      <p:sp>
+        <p:nvSpPr>
+          <p:cNvPr id="4" name="직사각형 3"/>
+          <p:cNvSpPr/>
+          <p:nvPr/>
+        </p:nvSpPr>
+        <p:spPr>
+          <a:xfrm>
+            <a:off x="142005" y="1117627"/>
+            <a:ext cx="1584308" cy="699247"/>
+          </a:xfrm>
+          <a:prstGeom prst="rect">
+            <a:avLst/>
+          </a:prstGeom>
+          <a:solidFill>
+            <a:schemeClr val="accent3"/>
+          </a:solidFill>
+        </p:spPr>
+        <p:style>
+          <a:lnRef idx="2">
+            <a:schemeClr val="accent1">
+              <a:shade val="50000"/>
+            </a:schemeClr>
+          </a:lnRef>
+          <a:fillRef idx="1">
+            <a:schemeClr val="accent1"/>
+          </a:fillRef>
+          <a:effectRef idx="0">
+            <a:schemeClr val="accent1"/>
+          </a:effectRef>
+          <a:fontRef idx="minor">
+            <a:schemeClr val="lt1"/>
+          </a:fontRef>
+        </p:style>
+        <p:txBody>
+          <a:bodyPr rtlCol="0" anchor="ctr"/>
+          <a:lstStyle/>
+          <a:p>
+            <a:pPr algn="ctr"/>
+            <a:r>
+              <a:rPr lang="ko-KR" altLang="en-US" dirty="0" smtClean="0"/>
+              <a:t>브라우저</a:t>
+            </a:r>
+            <a:endParaRPr lang="ko-KR" altLang="en-US" dirty="0"/>
+          </a:p>
+        </p:txBody>
+      </p:sp>
+      <p:sp>
+        <p:nvSpPr>
+          <p:cNvPr id="5" name="직사각형 4"/>
+          <p:cNvSpPr/>
+          <p:nvPr/>
+        </p:nvSpPr>
+        <p:spPr>
+          <a:xfrm>
+            <a:off x="3797774" y="1117626"/>
+            <a:ext cx="1584308" cy="699247"/>
+          </a:xfrm>
+          <a:prstGeom prst="rect">
+            <a:avLst/>
+          </a:prstGeom>
+        </p:spPr>
+        <p:style>
+          <a:lnRef idx="2">
+            <a:schemeClr val="accent1">
+              <a:shade val="50000"/>
+            </a:schemeClr>
+          </a:lnRef>
+          <a:fillRef idx="1">
+            <a:schemeClr val="accent1"/>
+          </a:fillRef>
+          <a:effectRef idx="0">
+            <a:schemeClr val="accent1"/>
+          </a:effectRef>
+          <a:fontRef idx="minor">
+            <a:schemeClr val="lt1"/>
+          </a:fontRef>
+        </p:style>
+        <p:txBody>
+          <a:bodyPr rtlCol="0" anchor="ctr"/>
+          <a:lstStyle/>
+          <a:p>
+            <a:pPr algn="ctr"/>
+            <a:r>
+              <a:rPr lang="ko-KR" altLang="en-US" dirty="0" err="1" smtClean="0"/>
+              <a:t>로드밸런서</a:t>
+            </a:r>
+            <a:endParaRPr lang="en-US" altLang="ko-KR" dirty="0" smtClean="0"/>
+          </a:p>
+        </p:txBody>
+      </p:sp>
+      <p:sp>
+        <p:nvSpPr>
+          <p:cNvPr id="15" name="직사각형 14"/>
+          <p:cNvSpPr/>
+          <p:nvPr/>
+        </p:nvSpPr>
+        <p:spPr>
+          <a:xfrm>
+            <a:off x="2011355" y="992638"/>
+            <a:ext cx="4622528" cy="5085434"/>
+          </a:xfrm>
+          <a:prstGeom prst="rect">
+            <a:avLst/>
+          </a:prstGeom>
+          <a:noFill/>
+        </p:spPr>
+        <p:style>
+          <a:lnRef idx="2">
+            <a:schemeClr val="accent1">
+              <a:shade val="50000"/>
+            </a:schemeClr>
+          </a:lnRef>
+          <a:fillRef idx="1">
+            <a:schemeClr val="accent1"/>
+          </a:fillRef>
+          <a:effectRef idx="0">
+            <a:schemeClr val="accent1"/>
+          </a:effectRef>
+          <a:fontRef idx="minor">
+            <a:schemeClr val="lt1"/>
+          </a:fontRef>
+        </p:style>
+        <p:txBody>
+          <a:bodyPr rtlCol="0" anchor="ctr"/>
+          <a:lstStyle/>
+          <a:p>
+            <a:pPr algn="ctr"/>
+            <a:endParaRPr lang="ko-KR" altLang="en-US"/>
+          </a:p>
+        </p:txBody>
+      </p:sp>
+      <p:cxnSp>
+        <p:nvCxnSpPr>
+          <p:cNvPr id="20" name="꺾인 연결선 19"/>
+          <p:cNvCxnSpPr>
+            <a:stCxn id="5" idx="3"/>
+            <a:endCxn id="10" idx="0"/>
+          </p:cNvCxnSpPr>
+          <p:nvPr/>
+        </p:nvCxnSpPr>
+        <p:spPr>
+          <a:xfrm>
+            <a:off x="5382082" y="1467250"/>
+            <a:ext cx="2688801" cy="217547"/>
+          </a:xfrm>
+          <a:prstGeom prst="bentConnector2">
+            <a:avLst/>
+          </a:prstGeom>
+          <a:ln w="57150">
+            <a:solidFill>
+              <a:schemeClr val="accent2"/>
+            </a:solidFill>
+            <a:headEnd type="triangle"/>
+            <a:tailEnd type="triangle"/>
+          </a:ln>
+        </p:spPr>
+        <p:style>
+          <a:lnRef idx="1">
+            <a:schemeClr val="accent1"/>
+          </a:lnRef>
+          <a:fillRef idx="0">
+            <a:schemeClr val="accent1"/>
+          </a:fillRef>
+          <a:effectRef idx="0">
+            <a:schemeClr val="accent1"/>
+          </a:effectRef>
+          <a:fontRef idx="minor">
+            <a:schemeClr val="tx1"/>
+          </a:fontRef>
+        </p:style>
+      </p:cxnSp>
+      <p:cxnSp>
+        <p:nvCxnSpPr>
+          <p:cNvPr id="64" name="꺾인 연결선 63"/>
+          <p:cNvCxnSpPr>
+            <a:stCxn id="5" idx="1"/>
+            <a:endCxn id="4" idx="3"/>
+          </p:cNvCxnSpPr>
+          <p:nvPr/>
+        </p:nvCxnSpPr>
+        <p:spPr>
+          <a:xfrm rot="10800000" flipV="1">
+            <a:off x="1726314" y="1467249"/>
+            <a:ext cx="2071461" cy="1"/>
+          </a:xfrm>
+          <a:prstGeom prst="bentConnector3">
+            <a:avLst>
+              <a:gd name="adj1" fmla="val 50000"/>
+            </a:avLst>
+          </a:prstGeom>
+          <a:ln w="57150">
+            <a:solidFill>
+              <a:schemeClr val="accent2"/>
+            </a:solidFill>
+            <a:headEnd type="triangle"/>
+            <a:tailEnd type="triangle"/>
+          </a:ln>
+        </p:spPr>
+        <p:style>
+          <a:lnRef idx="1">
+            <a:schemeClr val="accent1"/>
+          </a:lnRef>
+          <a:fillRef idx="0">
+            <a:schemeClr val="accent1"/>
+          </a:fillRef>
+          <a:effectRef idx="0">
+            <a:schemeClr val="accent1"/>
+          </a:effectRef>
+          <a:fontRef idx="minor">
+            <a:schemeClr val="tx1"/>
+          </a:fontRef>
+        </p:style>
+      </p:cxnSp>
+      <p:sp>
+        <p:nvSpPr>
+          <p:cNvPr id="108" name="TextBox 107"/>
+          <p:cNvSpPr txBox="1"/>
+          <p:nvPr/>
+        </p:nvSpPr>
+        <p:spPr>
+          <a:xfrm>
+            <a:off x="7831075" y="831073"/>
+            <a:ext cx="4117244" cy="369332"/>
+          </a:xfrm>
+          <a:prstGeom prst="rect">
+            <a:avLst/>
+          </a:prstGeom>
+          <a:noFill/>
+        </p:spPr>
+        <p:txBody>
+          <a:bodyPr wrap="square" rtlCol="0">
+            <a:spAutoFit/>
+          </a:bodyPr>
+          <a:lstStyle/>
+          <a:p>
+            <a:r>
+              <a:rPr lang="ko-KR" altLang="en-US" dirty="0" smtClean="0"/>
+              <a:t>과천 </a:t>
+            </a:r>
+            <a:r>
+              <a:rPr lang="en-US" altLang="ko-KR" dirty="0" smtClean="0"/>
+              <a:t>: AZ-a(10.1.1. x(0 ~ 255))</a:t>
+            </a:r>
+            <a:endParaRPr lang="ko-KR" altLang="en-US" dirty="0"/>
+          </a:p>
+        </p:txBody>
+      </p:sp>
+      <p:sp>
+        <p:nvSpPr>
+          <p:cNvPr id="110" name="직사각형 109"/>
+          <p:cNvSpPr/>
+          <p:nvPr/>
+        </p:nvSpPr>
+        <p:spPr>
+          <a:xfrm>
+            <a:off x="4648011" y="301590"/>
+            <a:ext cx="2954655" cy="369332"/>
+          </a:xfrm>
+          <a:prstGeom prst="rect">
+            <a:avLst/>
+          </a:prstGeom>
+        </p:spPr>
+        <p:txBody>
+          <a:bodyPr wrap="none">
+            <a:spAutoFit/>
+          </a:bodyPr>
+          <a:lstStyle/>
+          <a:p>
+            <a:r>
+              <a:rPr lang="ko-KR" altLang="en-US" dirty="0" smtClean="0"/>
+              <a:t>직원디렉토리시스템구조도</a:t>
+            </a:r>
+            <a:endParaRPr lang="ko-KR" altLang="en-US" dirty="0"/>
+          </a:p>
+        </p:txBody>
+      </p:sp>
+      <p:sp>
+        <p:nvSpPr>
+          <p:cNvPr id="10" name="직사각형 9"/>
+          <p:cNvSpPr/>
+          <p:nvPr/>
+        </p:nvSpPr>
+        <p:spPr>
+          <a:xfrm>
+            <a:off x="7080690" y="1684797"/>
+            <a:ext cx="3828542" cy="1332234"/>
+          </a:xfrm>
+          <a:prstGeom prst="rect">
+            <a:avLst/>
+          </a:prstGeom>
+        </p:spPr>
+        <p:style>
+          <a:lnRef idx="2">
+            <a:schemeClr val="accent1">
+              <a:shade val="50000"/>
+            </a:schemeClr>
+          </a:lnRef>
+          <a:fillRef idx="1">
+            <a:schemeClr val="accent1"/>
+          </a:fillRef>
+          <a:effectRef idx="0">
+            <a:schemeClr val="accent1"/>
+          </a:effectRef>
+          <a:fontRef idx="minor">
+            <a:schemeClr val="lt1"/>
+          </a:fontRef>
+        </p:style>
+        <p:txBody>
+          <a:bodyPr rtlCol="0" anchor="ctr"/>
+          <a:lstStyle/>
+          <a:p>
+            <a:pPr algn="ctr"/>
+            <a:r>
+              <a:rPr lang="en-US" altLang="ko-KR" dirty="0" smtClean="0"/>
+              <a:t>EC2 : </a:t>
+            </a:r>
+            <a:r>
+              <a:rPr lang="ko-KR" altLang="en-US" dirty="0" smtClean="0"/>
+              <a:t>프로그램</a:t>
+            </a:r>
+            <a:r>
+              <a:rPr lang="en-US" altLang="ko-KR" dirty="0" smtClean="0"/>
+              <a:t>(</a:t>
+            </a:r>
+            <a:r>
+              <a:rPr lang="ko-KR" altLang="en-US" dirty="0" smtClean="0"/>
+              <a:t>코드</a:t>
+            </a:r>
+            <a:r>
+              <a:rPr lang="en-US" altLang="ko-KR" dirty="0" smtClean="0"/>
+              <a:t>)</a:t>
+            </a:r>
+            <a:r>
+              <a:rPr lang="en-US" altLang="ko-KR" dirty="0" smtClean="0"/>
+              <a:t> </a:t>
+            </a:r>
+            <a:endParaRPr lang="en-US" altLang="ko-KR" dirty="0" smtClean="0"/>
+          </a:p>
+        </p:txBody>
+      </p:sp>
+      <p:sp>
+        <p:nvSpPr>
+          <p:cNvPr id="47" name="직사각형 46"/>
+          <p:cNvSpPr/>
+          <p:nvPr/>
+        </p:nvSpPr>
+        <p:spPr>
+          <a:xfrm>
+            <a:off x="5741652" y="1025791"/>
+            <a:ext cx="1784463" cy="369332"/>
+          </a:xfrm>
+          <a:prstGeom prst="rect">
+            <a:avLst/>
+          </a:prstGeom>
+        </p:spPr>
+        <p:txBody>
+          <a:bodyPr wrap="none">
+            <a:spAutoFit/>
+          </a:bodyPr>
+          <a:lstStyle/>
+          <a:p>
+            <a:r>
+              <a:rPr lang="ko-KR" altLang="en-US" dirty="0" smtClean="0"/>
+              <a:t>프록시 </a:t>
+            </a:r>
+            <a:r>
+              <a:rPr lang="en-US" altLang="ko-KR" dirty="0" smtClean="0"/>
+              <a:t>: </a:t>
+            </a:r>
+            <a:r>
+              <a:rPr lang="ko-KR" altLang="en-US" dirty="0" smtClean="0"/>
+              <a:t>대리인</a:t>
+            </a:r>
+            <a:endParaRPr lang="ko-KR" altLang="en-US" dirty="0"/>
+          </a:p>
+        </p:txBody>
+      </p:sp>
+      <p:sp>
+        <p:nvSpPr>
+          <p:cNvPr id="34" name="직사각형 33"/>
+          <p:cNvSpPr/>
+          <p:nvPr/>
+        </p:nvSpPr>
+        <p:spPr>
+          <a:xfrm>
+            <a:off x="7080690" y="3251642"/>
+            <a:ext cx="3828542" cy="1332234"/>
+          </a:xfrm>
+          <a:prstGeom prst="rect">
+            <a:avLst/>
+          </a:prstGeom>
+        </p:spPr>
+        <p:style>
+          <a:lnRef idx="2">
+            <a:schemeClr val="accent1">
+              <a:shade val="50000"/>
+            </a:schemeClr>
+          </a:lnRef>
+          <a:fillRef idx="1">
+            <a:schemeClr val="accent1"/>
+          </a:fillRef>
+          <a:effectRef idx="0">
+            <a:schemeClr val="accent1"/>
+          </a:effectRef>
+          <a:fontRef idx="minor">
+            <a:schemeClr val="lt1"/>
+          </a:fontRef>
+        </p:style>
+        <p:txBody>
+          <a:bodyPr rtlCol="0" anchor="ctr"/>
+          <a:lstStyle/>
+          <a:p>
+            <a:pPr algn="ctr"/>
+            <a:r>
+              <a:rPr lang="en-US" altLang="ko-KR" dirty="0" smtClean="0"/>
+              <a:t>EC2 :</a:t>
+            </a:r>
+            <a:endParaRPr lang="en-US" altLang="ko-KR" dirty="0" smtClean="0"/>
+          </a:p>
+        </p:txBody>
+      </p:sp>
+    </p:spTree>
+    <p:extLst>
+      <p:ext uri="{BB962C8B-B14F-4D97-AF65-F5344CB8AC3E}">
+        <p14:creationId xmlns:p14="http://schemas.microsoft.com/office/powerpoint/2010/main" val="236509090"/>
+      </p:ext>
+    </p:extLst>
+  </p:cSld>
+  <p:clrMapOvr>
+    <a:masterClrMapping/>
+  </p:clrMapOvr>
+</p:sld>
+</file>
+
+<file path=ppt/slides/slide3.xml><?xml version="1.0" encoding="utf-8"?>
+<p:sld xmlns:a="http://schemas.openxmlformats.org/drawingml/2006/main" xmlns:r="http://schemas.openxmlformats.org/officeDocument/2006/relationships" xmlns:p="http://schemas.openxmlformats.org/presentationml/2006/main">
+  <p:cSld>
+    <p:spTree>
+      <p:nvGrpSpPr>
+        <p:cNvPr id="1" name=""/>
+        <p:cNvGrpSpPr/>
+        <p:nvPr/>
+      </p:nvGrpSpPr>
+      <p:grpSpPr>
+        <a:xfrm>
+          <a:off x="0" y="0"/>
+          <a:ext cx="0" cy="0"/>
+          <a:chOff x="0" y="0"/>
+          <a:chExt cx="0" cy="0"/>
+        </a:xfrm>
+      </p:grpSpPr>
+      <p:sp>
+        <p:nvSpPr>
+          <p:cNvPr id="4" name="직사각형 3"/>
+          <p:cNvSpPr/>
+          <p:nvPr/>
+        </p:nvSpPr>
+        <p:spPr>
+          <a:xfrm>
+            <a:off x="142005" y="1117627"/>
+            <a:ext cx="1584308" cy="699247"/>
+          </a:xfrm>
+          <a:prstGeom prst="rect">
+            <a:avLst/>
+          </a:prstGeom>
+          <a:solidFill>
+            <a:schemeClr val="accent3"/>
+          </a:solidFill>
+        </p:spPr>
+        <p:style>
+          <a:lnRef idx="2">
+            <a:schemeClr val="accent1">
+              <a:shade val="50000"/>
+            </a:schemeClr>
+          </a:lnRef>
+          <a:fillRef idx="1">
+            <a:schemeClr val="accent1"/>
+          </a:fillRef>
+          <a:effectRef idx="0">
+            <a:schemeClr val="accent1"/>
+          </a:effectRef>
+          <a:fontRef idx="minor">
+            <a:schemeClr val="lt1"/>
+          </a:fontRef>
+        </p:style>
+        <p:txBody>
+          <a:bodyPr rtlCol="0" anchor="ctr"/>
+          <a:lstStyle/>
+          <a:p>
+            <a:pPr algn="ctr"/>
+            <a:r>
+              <a:rPr lang="ko-KR" altLang="en-US" dirty="0" smtClean="0"/>
+              <a:t>브라우저</a:t>
+            </a:r>
+            <a:endParaRPr lang="ko-KR" altLang="en-US" dirty="0"/>
+          </a:p>
+        </p:txBody>
+      </p:sp>
+      <p:sp>
+        <p:nvSpPr>
+          <p:cNvPr id="5" name="직사각형 4"/>
+          <p:cNvSpPr/>
+          <p:nvPr/>
+        </p:nvSpPr>
+        <p:spPr>
+          <a:xfrm>
+            <a:off x="3797774" y="1117626"/>
+            <a:ext cx="1584308" cy="699247"/>
+          </a:xfrm>
+          <a:prstGeom prst="rect">
+            <a:avLst/>
+          </a:prstGeom>
+        </p:spPr>
+        <p:style>
+          <a:lnRef idx="2">
+            <a:schemeClr val="accent1">
+              <a:shade val="50000"/>
+            </a:schemeClr>
+          </a:lnRef>
+          <a:fillRef idx="1">
+            <a:schemeClr val="accent1"/>
+          </a:fillRef>
+          <a:effectRef idx="0">
+            <a:schemeClr val="accent1"/>
+          </a:effectRef>
+          <a:fontRef idx="minor">
+            <a:schemeClr val="lt1"/>
+          </a:fontRef>
+        </p:style>
+        <p:txBody>
+          <a:bodyPr rtlCol="0" anchor="ctr"/>
+          <a:lstStyle/>
+          <a:p>
+            <a:pPr algn="ctr"/>
+            <a:r>
+              <a:rPr lang="ko-KR" altLang="en-US" dirty="0" err="1" smtClean="0"/>
+              <a:t>로드밸런서</a:t>
+            </a:r>
+            <a:endParaRPr lang="en-US" altLang="ko-KR" dirty="0" smtClean="0"/>
+          </a:p>
+        </p:txBody>
+      </p:sp>
+      <p:sp>
+        <p:nvSpPr>
+          <p:cNvPr id="6" name="직사각형 5"/>
+          <p:cNvSpPr/>
+          <p:nvPr/>
+        </p:nvSpPr>
+        <p:spPr>
+          <a:xfrm>
+            <a:off x="2213466" y="2514939"/>
+            <a:ext cx="1642986" cy="699247"/>
+          </a:xfrm>
+          <a:prstGeom prst="rect">
+            <a:avLst/>
+          </a:prstGeom>
+          <a:solidFill>
+            <a:schemeClr val="accent1">
+              <a:lumMod val="40000"/>
+              <a:lumOff val="60000"/>
+            </a:schemeClr>
+          </a:solidFill>
+        </p:spPr>
+        <p:style>
+          <a:lnRef idx="2">
+            <a:schemeClr val="accent1">
+              <a:shade val="50000"/>
+            </a:schemeClr>
+          </a:lnRef>
+          <a:fillRef idx="1">
+            <a:schemeClr val="accent1"/>
+          </a:fillRef>
+          <a:effectRef idx="0">
+            <a:schemeClr val="accent1"/>
+          </a:effectRef>
+          <a:fontRef idx="minor">
+            <a:schemeClr val="lt1"/>
+          </a:fontRef>
+        </p:style>
+        <p:txBody>
+          <a:bodyPr rtlCol="0" anchor="ctr"/>
+          <a:lstStyle/>
+          <a:p>
+            <a:pPr algn="ctr"/>
+            <a:r>
+              <a:rPr lang="en-US" altLang="ko-KR" dirty="0" smtClean="0"/>
+              <a:t>Interface</a:t>
+            </a:r>
+            <a:r>
+              <a:rPr lang="ko-KR" altLang="en-US" dirty="0" smtClean="0"/>
+              <a:t> </a:t>
+            </a:r>
+            <a:r>
+              <a:rPr lang="en-US" altLang="ko-KR" i="1" dirty="0" err="1" smtClean="0"/>
+              <a:t>Gageway</a:t>
+            </a:r>
+            <a:endParaRPr lang="en-US" altLang="ko-KR" i="1" dirty="0" smtClean="0"/>
+          </a:p>
+        </p:txBody>
+      </p:sp>
+      <p:sp>
+        <p:nvSpPr>
+          <p:cNvPr id="7" name="직사각형 6"/>
+          <p:cNvSpPr/>
+          <p:nvPr/>
+        </p:nvSpPr>
+        <p:spPr>
+          <a:xfrm>
+            <a:off x="2213466" y="3817334"/>
+            <a:ext cx="1584308" cy="699247"/>
+          </a:xfrm>
+          <a:prstGeom prst="rect">
+            <a:avLst/>
+          </a:prstGeom>
+          <a:solidFill>
+            <a:schemeClr val="accent1">
+              <a:lumMod val="40000"/>
+              <a:lumOff val="60000"/>
+            </a:schemeClr>
+          </a:solidFill>
+        </p:spPr>
+        <p:style>
+          <a:lnRef idx="2">
+            <a:schemeClr val="accent1">
+              <a:shade val="50000"/>
+            </a:schemeClr>
+          </a:lnRef>
+          <a:fillRef idx="1">
+            <a:schemeClr val="accent1"/>
+          </a:fillRef>
+          <a:effectRef idx="0">
+            <a:schemeClr val="accent1"/>
+          </a:effectRef>
+          <a:fontRef idx="minor">
+            <a:schemeClr val="lt1"/>
+          </a:fontRef>
+        </p:style>
+        <p:txBody>
+          <a:bodyPr rtlCol="0" anchor="ctr"/>
+          <a:lstStyle/>
+          <a:p>
+            <a:pPr algn="ctr"/>
+            <a:r>
+              <a:rPr lang="en-US" altLang="ko-KR" dirty="0" smtClean="0"/>
+              <a:t>Route</a:t>
+            </a:r>
+          </a:p>
+        </p:txBody>
+      </p:sp>
+      <p:sp>
+        <p:nvSpPr>
+          <p:cNvPr id="8" name="직사각형 7"/>
+          <p:cNvSpPr/>
+          <p:nvPr/>
+        </p:nvSpPr>
+        <p:spPr>
+          <a:xfrm>
+            <a:off x="4379667" y="3016804"/>
+            <a:ext cx="1897257" cy="699247"/>
+          </a:xfrm>
+          <a:prstGeom prst="rect">
+            <a:avLst/>
+          </a:prstGeom>
+          <a:solidFill>
+            <a:schemeClr val="accent1">
+              <a:lumMod val="40000"/>
+              <a:lumOff val="60000"/>
+            </a:schemeClr>
+          </a:solidFill>
+        </p:spPr>
+        <p:style>
+          <a:lnRef idx="2">
+            <a:schemeClr val="accent1">
+              <a:shade val="50000"/>
+            </a:schemeClr>
+          </a:lnRef>
+          <a:fillRef idx="1">
+            <a:schemeClr val="accent1"/>
+          </a:fillRef>
+          <a:effectRef idx="0">
+            <a:schemeClr val="accent1"/>
+          </a:effectRef>
+          <a:fontRef idx="minor">
+            <a:schemeClr val="lt1"/>
+          </a:fontRef>
+        </p:style>
+        <p:txBody>
+          <a:bodyPr rtlCol="0" anchor="ctr"/>
+          <a:lstStyle/>
+          <a:p>
+            <a:pPr algn="ctr"/>
+            <a:r>
+              <a:rPr lang="ko-KR" altLang="en-US" dirty="0" err="1" smtClean="0"/>
+              <a:t>퍼블릭</a:t>
+            </a:r>
+            <a:r>
+              <a:rPr lang="ko-KR" altLang="en-US" dirty="0" smtClean="0"/>
+              <a:t> </a:t>
+            </a:r>
+            <a:r>
+              <a:rPr lang="ko-KR" altLang="en-US" dirty="0" err="1" smtClean="0"/>
+              <a:t>서브넷</a:t>
+            </a:r>
+            <a:r>
+              <a:rPr lang="en-US" altLang="ko-KR" dirty="0" smtClean="0"/>
+              <a:t>1</a:t>
+            </a:r>
+          </a:p>
+        </p:txBody>
+      </p:sp>
+      <p:sp>
+        <p:nvSpPr>
+          <p:cNvPr id="9" name="직사각형 8"/>
+          <p:cNvSpPr/>
+          <p:nvPr/>
+        </p:nvSpPr>
+        <p:spPr>
+          <a:xfrm>
+            <a:off x="4379667" y="4917615"/>
+            <a:ext cx="1907035" cy="699247"/>
+          </a:xfrm>
+          <a:prstGeom prst="rect">
+            <a:avLst/>
+          </a:prstGeom>
+          <a:solidFill>
+            <a:schemeClr val="accent1">
+              <a:lumMod val="40000"/>
+              <a:lumOff val="60000"/>
+            </a:schemeClr>
+          </a:solidFill>
+        </p:spPr>
+        <p:style>
+          <a:lnRef idx="2">
+            <a:schemeClr val="accent1">
+              <a:shade val="50000"/>
+            </a:schemeClr>
+          </a:lnRef>
+          <a:fillRef idx="1">
+            <a:schemeClr val="accent1"/>
+          </a:fillRef>
+          <a:effectRef idx="0">
+            <a:schemeClr val="accent1"/>
+          </a:effectRef>
+          <a:fontRef idx="minor">
+            <a:schemeClr val="lt1"/>
+          </a:fontRef>
+        </p:style>
+        <p:txBody>
+          <a:bodyPr rtlCol="0" anchor="ctr"/>
+          <a:lstStyle/>
+          <a:p>
+            <a:pPr algn="ctr"/>
+            <a:r>
+              <a:rPr lang="ko-KR" altLang="en-US" dirty="0" err="1" smtClean="0"/>
+              <a:t>퍼블릭</a:t>
+            </a:r>
+            <a:r>
+              <a:rPr lang="ko-KR" altLang="en-US" dirty="0" smtClean="0"/>
+              <a:t> </a:t>
+            </a:r>
+            <a:r>
+              <a:rPr lang="ko-KR" altLang="en-US" dirty="0" err="1" smtClean="0"/>
+              <a:t>서브넷</a:t>
+            </a:r>
+            <a:r>
+              <a:rPr lang="en-US" altLang="ko-KR" dirty="0" smtClean="0"/>
+              <a:t>2</a:t>
+            </a:r>
+          </a:p>
+        </p:txBody>
+      </p:sp>
+      <p:sp>
+        <p:nvSpPr>
+          <p:cNvPr id="11" name="직사각형 10"/>
+          <p:cNvSpPr/>
+          <p:nvPr/>
+        </p:nvSpPr>
+        <p:spPr>
+          <a:xfrm>
+            <a:off x="7308676" y="4367474"/>
+            <a:ext cx="1980385" cy="699247"/>
+          </a:xfrm>
+          <a:prstGeom prst="rect">
+            <a:avLst/>
+          </a:prstGeom>
+        </p:spPr>
+        <p:style>
+          <a:lnRef idx="2">
+            <a:schemeClr val="accent1">
+              <a:shade val="50000"/>
+            </a:schemeClr>
+          </a:lnRef>
+          <a:fillRef idx="1">
+            <a:schemeClr val="accent1"/>
+          </a:fillRef>
+          <a:effectRef idx="0">
+            <a:schemeClr val="accent1"/>
+          </a:effectRef>
+          <a:fontRef idx="minor">
+            <a:schemeClr val="lt1"/>
+          </a:fontRef>
+        </p:style>
+        <p:txBody>
+          <a:bodyPr rtlCol="0" anchor="ctr"/>
+          <a:lstStyle/>
+          <a:p>
+            <a:pPr algn="ctr"/>
+            <a:r>
+              <a:rPr lang="en-US" altLang="ko-KR" dirty="0" smtClean="0"/>
+              <a:t>EC2</a:t>
+            </a:r>
+          </a:p>
+        </p:txBody>
+      </p:sp>
+      <p:sp>
+        <p:nvSpPr>
+          <p:cNvPr id="12" name="직사각형 11"/>
+          <p:cNvSpPr/>
+          <p:nvPr/>
+        </p:nvSpPr>
+        <p:spPr>
+          <a:xfrm>
+            <a:off x="9967935" y="1309593"/>
+            <a:ext cx="1980385" cy="699247"/>
+          </a:xfrm>
+          <a:prstGeom prst="rect">
+            <a:avLst/>
+          </a:prstGeom>
+        </p:spPr>
+        <p:style>
+          <a:lnRef idx="2">
+            <a:schemeClr val="accent1">
+              <a:shade val="50000"/>
+            </a:schemeClr>
+          </a:lnRef>
+          <a:fillRef idx="1">
+            <a:schemeClr val="accent1"/>
+          </a:fillRef>
+          <a:effectRef idx="0">
+            <a:schemeClr val="accent1"/>
+          </a:effectRef>
+          <a:fontRef idx="minor">
+            <a:schemeClr val="lt1"/>
+          </a:fontRef>
+        </p:style>
+        <p:txBody>
+          <a:bodyPr rtlCol="0" anchor="ctr"/>
+          <a:lstStyle/>
+          <a:p>
+            <a:pPr algn="ctr"/>
+            <a:r>
+              <a:rPr lang="en-US" altLang="ko-KR" dirty="0" smtClean="0"/>
+              <a:t>S3</a:t>
+            </a:r>
+          </a:p>
+        </p:txBody>
+      </p:sp>
+      <p:sp>
+        <p:nvSpPr>
+          <p:cNvPr id="13" name="직사각형 12"/>
+          <p:cNvSpPr/>
+          <p:nvPr/>
+        </p:nvSpPr>
+        <p:spPr>
+          <a:xfrm>
+            <a:off x="9967934" y="2483148"/>
+            <a:ext cx="1980385" cy="699247"/>
+          </a:xfrm>
+          <a:prstGeom prst="rect">
+            <a:avLst/>
+          </a:prstGeom>
+        </p:spPr>
+        <p:style>
+          <a:lnRef idx="2">
+            <a:schemeClr val="accent1">
+              <a:shade val="50000"/>
+            </a:schemeClr>
+          </a:lnRef>
+          <a:fillRef idx="1">
+            <a:schemeClr val="accent1"/>
+          </a:fillRef>
+          <a:effectRef idx="0">
+            <a:schemeClr val="accent1"/>
+          </a:effectRef>
+          <a:fontRef idx="minor">
+            <a:schemeClr val="lt1"/>
+          </a:fontRef>
+        </p:style>
+        <p:txBody>
+          <a:bodyPr rtlCol="0" anchor="ctr"/>
+          <a:lstStyle/>
+          <a:p>
+            <a:pPr algn="ctr"/>
+            <a:r>
+              <a:rPr lang="en-US" altLang="ko-KR" dirty="0" err="1" smtClean="0"/>
+              <a:t>DynamoDB</a:t>
+            </a:r>
+            <a:endParaRPr lang="en-US" altLang="ko-KR" dirty="0" smtClean="0"/>
+          </a:p>
+        </p:txBody>
+      </p:sp>
+      <p:sp>
+        <p:nvSpPr>
+          <p:cNvPr id="15" name="직사각형 14"/>
+          <p:cNvSpPr/>
+          <p:nvPr/>
+        </p:nvSpPr>
+        <p:spPr>
+          <a:xfrm>
+            <a:off x="2011355" y="992638"/>
+            <a:ext cx="4622528" cy="5085434"/>
+          </a:xfrm>
+          <a:prstGeom prst="rect">
+            <a:avLst/>
+          </a:prstGeom>
+          <a:noFill/>
+        </p:spPr>
+        <p:style>
+          <a:lnRef idx="2">
+            <a:schemeClr val="accent1">
+              <a:shade val="50000"/>
+            </a:schemeClr>
+          </a:lnRef>
+          <a:fillRef idx="1">
+            <a:schemeClr val="accent1"/>
+          </a:fillRef>
+          <a:effectRef idx="0">
+            <a:schemeClr val="accent1"/>
+          </a:effectRef>
+          <a:fontRef idx="minor">
+            <a:schemeClr val="lt1"/>
+          </a:fontRef>
+        </p:style>
+        <p:txBody>
+          <a:bodyPr rtlCol="0" anchor="ctr"/>
+          <a:lstStyle/>
+          <a:p>
+            <a:pPr algn="ctr"/>
+            <a:endParaRPr lang="ko-KR" altLang="en-US"/>
+          </a:p>
+        </p:txBody>
+      </p:sp>
+      <p:sp>
+        <p:nvSpPr>
+          <p:cNvPr id="17" name="TextBox 16"/>
+          <p:cNvSpPr txBox="1"/>
+          <p:nvPr/>
+        </p:nvSpPr>
+        <p:spPr>
+          <a:xfrm>
+            <a:off x="3915131" y="5708739"/>
+            <a:ext cx="1178451" cy="369332"/>
+          </a:xfrm>
+          <a:prstGeom prst="rect">
+            <a:avLst/>
+          </a:prstGeom>
+          <a:noFill/>
+        </p:spPr>
+        <p:txBody>
+          <a:bodyPr wrap="square" rtlCol="0">
+            <a:spAutoFit/>
+          </a:bodyPr>
+          <a:lstStyle/>
+          <a:p>
+            <a:r>
+              <a:rPr lang="en-US" altLang="ko-KR" dirty="0" smtClean="0"/>
+              <a:t>VPC </a:t>
+            </a:r>
+            <a:r>
+              <a:rPr lang="ko-KR" altLang="en-US" dirty="0" smtClean="0"/>
+              <a:t>영역</a:t>
+            </a:r>
+            <a:endParaRPr lang="ko-KR" altLang="en-US" dirty="0"/>
+          </a:p>
+        </p:txBody>
+      </p:sp>
+      <p:cxnSp>
+        <p:nvCxnSpPr>
+          <p:cNvPr id="19" name="꺾인 연결선 18"/>
+          <p:cNvCxnSpPr>
+            <a:stCxn id="5" idx="3"/>
+            <a:endCxn id="11" idx="0"/>
+          </p:cNvCxnSpPr>
+          <p:nvPr/>
+        </p:nvCxnSpPr>
+        <p:spPr>
+          <a:xfrm>
+            <a:off x="5382082" y="1467250"/>
+            <a:ext cx="2914140" cy="2938776"/>
+          </a:xfrm>
+          <a:prstGeom prst="bentConnector2">
+            <a:avLst/>
+          </a:prstGeom>
+          <a:ln w="57150">
+            <a:solidFill>
+              <a:schemeClr val="accent2"/>
+            </a:solidFill>
+            <a:headEnd type="triangle"/>
+            <a:tailEnd type="triangle"/>
+          </a:ln>
+        </p:spPr>
+        <p:style>
+          <a:lnRef idx="1">
+            <a:schemeClr val="accent1"/>
+          </a:lnRef>
+          <a:fillRef idx="0">
+            <a:schemeClr val="accent1"/>
+          </a:fillRef>
+          <a:effectRef idx="0">
+            <a:schemeClr val="accent1"/>
+          </a:effectRef>
+          <a:fontRef idx="minor">
+            <a:schemeClr val="tx1"/>
+          </a:fontRef>
+        </p:style>
+      </p:cxnSp>
+      <p:cxnSp>
+        <p:nvCxnSpPr>
+          <p:cNvPr id="20" name="꺾인 연결선 19"/>
+          <p:cNvCxnSpPr>
+            <a:stCxn id="5" idx="3"/>
+            <a:endCxn id="10" idx="0"/>
+          </p:cNvCxnSpPr>
+          <p:nvPr/>
+        </p:nvCxnSpPr>
+        <p:spPr>
+          <a:xfrm>
+            <a:off x="5382082" y="1467250"/>
+            <a:ext cx="2688801" cy="217547"/>
+          </a:xfrm>
+          <a:prstGeom prst="bentConnector2">
+            <a:avLst/>
+          </a:prstGeom>
+          <a:ln w="57150">
+            <a:solidFill>
+              <a:schemeClr val="accent2"/>
+            </a:solidFill>
+            <a:headEnd type="triangle"/>
+            <a:tailEnd type="triangle"/>
+          </a:ln>
+        </p:spPr>
+        <p:style>
+          <a:lnRef idx="1">
+            <a:schemeClr val="accent1"/>
+          </a:lnRef>
+          <a:fillRef idx="0">
+            <a:schemeClr val="accent1"/>
+          </a:fillRef>
+          <a:effectRef idx="0">
+            <a:schemeClr val="accent1"/>
+          </a:effectRef>
+          <a:fontRef idx="minor">
+            <a:schemeClr val="tx1"/>
+          </a:fontRef>
+        </p:style>
+      </p:cxnSp>
+      <p:cxnSp>
+        <p:nvCxnSpPr>
+          <p:cNvPr id="26" name="꺾인 연결선 25"/>
+          <p:cNvCxnSpPr>
+            <a:stCxn id="8" idx="3"/>
+            <a:endCxn id="10" idx="1"/>
+          </p:cNvCxnSpPr>
+          <p:nvPr/>
+        </p:nvCxnSpPr>
+        <p:spPr>
+          <a:xfrm flipV="1">
+            <a:off x="6276924" y="1972607"/>
+            <a:ext cx="803766" cy="1393821"/>
+          </a:xfrm>
+          <a:prstGeom prst="bentConnector3">
+            <a:avLst>
+              <a:gd name="adj1" fmla="val 50000"/>
+            </a:avLst>
+          </a:prstGeom>
+          <a:ln w="57150">
+            <a:solidFill>
+              <a:schemeClr val="accent2">
+                <a:lumMod val="40000"/>
+                <a:lumOff val="60000"/>
+              </a:schemeClr>
+            </a:solidFill>
+            <a:headEnd type="triangle"/>
+            <a:tailEnd type="triangle"/>
+          </a:ln>
+        </p:spPr>
+        <p:style>
+          <a:lnRef idx="1">
+            <a:schemeClr val="accent1"/>
+          </a:lnRef>
+          <a:fillRef idx="0">
+            <a:schemeClr val="accent1"/>
+          </a:fillRef>
+          <a:effectRef idx="0">
+            <a:schemeClr val="accent1"/>
+          </a:effectRef>
+          <a:fontRef idx="minor">
+            <a:schemeClr val="tx1"/>
+          </a:fontRef>
+        </p:style>
+      </p:cxnSp>
+      <p:cxnSp>
+        <p:nvCxnSpPr>
+          <p:cNvPr id="29" name="꺾인 연결선 28"/>
+          <p:cNvCxnSpPr>
+            <a:stCxn id="9" idx="3"/>
+            <a:endCxn id="11" idx="1"/>
+          </p:cNvCxnSpPr>
+          <p:nvPr/>
+        </p:nvCxnSpPr>
+        <p:spPr>
+          <a:xfrm flipV="1">
+            <a:off x="6286702" y="4755650"/>
+            <a:ext cx="1019327" cy="511589"/>
+          </a:xfrm>
+          <a:prstGeom prst="bentConnector3">
+            <a:avLst>
+              <a:gd name="adj1" fmla="val 50000"/>
+            </a:avLst>
+          </a:prstGeom>
+          <a:ln w="57150">
+            <a:solidFill>
+              <a:schemeClr val="accent2">
+                <a:lumMod val="40000"/>
+                <a:lumOff val="60000"/>
+              </a:schemeClr>
+            </a:solidFill>
+            <a:headEnd type="triangle"/>
+            <a:tailEnd type="triangle"/>
+          </a:ln>
+        </p:spPr>
+        <p:style>
+          <a:lnRef idx="1">
+            <a:schemeClr val="accent1"/>
+          </a:lnRef>
+          <a:fillRef idx="0">
+            <a:schemeClr val="accent1"/>
+          </a:fillRef>
+          <a:effectRef idx="0">
+            <a:schemeClr val="accent1"/>
+          </a:effectRef>
+          <a:fontRef idx="minor">
+            <a:schemeClr val="tx1"/>
+          </a:fontRef>
+        </p:style>
+      </p:cxnSp>
+      <p:cxnSp>
+        <p:nvCxnSpPr>
+          <p:cNvPr id="36" name="꺾인 연결선 35"/>
+          <p:cNvCxnSpPr>
+            <a:stCxn id="5" idx="2"/>
+            <a:endCxn id="6" idx="0"/>
+          </p:cNvCxnSpPr>
+          <p:nvPr/>
+        </p:nvCxnSpPr>
+        <p:spPr>
+          <a:xfrm rot="5400000">
+            <a:off x="3463411" y="1388422"/>
+            <a:ext cx="698066" cy="1554969"/>
+          </a:xfrm>
+          <a:prstGeom prst="bentConnector3">
+            <a:avLst>
+              <a:gd name="adj1" fmla="val 50000"/>
+            </a:avLst>
+          </a:prstGeom>
+          <a:ln w="57150">
+            <a:solidFill>
+              <a:schemeClr val="accent2">
+                <a:lumMod val="40000"/>
+                <a:lumOff val="60000"/>
+              </a:schemeClr>
+            </a:solidFill>
+            <a:headEnd type="triangle"/>
+            <a:tailEnd type="triangle"/>
+          </a:ln>
+        </p:spPr>
+        <p:style>
+          <a:lnRef idx="1">
+            <a:schemeClr val="accent1"/>
+          </a:lnRef>
+          <a:fillRef idx="0">
+            <a:schemeClr val="accent1"/>
+          </a:fillRef>
+          <a:effectRef idx="0">
+            <a:schemeClr val="accent1"/>
+          </a:effectRef>
+          <a:fontRef idx="minor">
+            <a:schemeClr val="tx1"/>
+          </a:fontRef>
+        </p:style>
+      </p:cxnSp>
+      <p:cxnSp>
+        <p:nvCxnSpPr>
+          <p:cNvPr id="39" name="꺾인 연결선 38"/>
+          <p:cNvCxnSpPr>
+            <a:stCxn id="6" idx="2"/>
+            <a:endCxn id="7" idx="0"/>
+          </p:cNvCxnSpPr>
+          <p:nvPr/>
+        </p:nvCxnSpPr>
+        <p:spPr>
+          <a:xfrm rot="5400000">
+            <a:off x="2718716" y="3501091"/>
+            <a:ext cx="603148" cy="29339"/>
+          </a:xfrm>
+          <a:prstGeom prst="bentConnector3">
+            <a:avLst>
+              <a:gd name="adj1" fmla="val 50000"/>
+            </a:avLst>
+          </a:prstGeom>
+          <a:ln w="57150">
+            <a:solidFill>
+              <a:schemeClr val="accent2">
+                <a:lumMod val="40000"/>
+                <a:lumOff val="60000"/>
+              </a:schemeClr>
+            </a:solidFill>
+            <a:headEnd type="triangle"/>
+            <a:tailEnd type="triangle"/>
+          </a:ln>
+        </p:spPr>
+        <p:style>
+          <a:lnRef idx="1">
+            <a:schemeClr val="accent1"/>
+          </a:lnRef>
+          <a:fillRef idx="0">
+            <a:schemeClr val="accent1"/>
+          </a:fillRef>
+          <a:effectRef idx="0">
+            <a:schemeClr val="accent1"/>
+          </a:effectRef>
+          <a:fontRef idx="minor">
+            <a:schemeClr val="tx1"/>
+          </a:fontRef>
+        </p:style>
+      </p:cxnSp>
+      <p:cxnSp>
+        <p:nvCxnSpPr>
+          <p:cNvPr id="42" name="꺾인 연결선 41"/>
+          <p:cNvCxnSpPr>
+            <a:stCxn id="7" idx="3"/>
+            <a:endCxn id="9" idx="1"/>
+          </p:cNvCxnSpPr>
+          <p:nvPr/>
+        </p:nvCxnSpPr>
+        <p:spPr>
+          <a:xfrm>
+            <a:off x="3797774" y="4166958"/>
+            <a:ext cx="581893" cy="1100281"/>
+          </a:xfrm>
+          <a:prstGeom prst="bentConnector3">
+            <a:avLst>
+              <a:gd name="adj1" fmla="val 50000"/>
+            </a:avLst>
+          </a:prstGeom>
+          <a:ln w="57150">
+            <a:solidFill>
+              <a:schemeClr val="accent2">
+                <a:lumMod val="40000"/>
+                <a:lumOff val="60000"/>
+              </a:schemeClr>
+            </a:solidFill>
+            <a:headEnd type="triangle"/>
+            <a:tailEnd type="triangle"/>
+          </a:ln>
+        </p:spPr>
+        <p:style>
+          <a:lnRef idx="1">
+            <a:schemeClr val="accent1"/>
+          </a:lnRef>
+          <a:fillRef idx="0">
+            <a:schemeClr val="accent1"/>
+          </a:fillRef>
+          <a:effectRef idx="0">
+            <a:schemeClr val="accent1"/>
+          </a:effectRef>
+          <a:fontRef idx="minor">
+            <a:schemeClr val="tx1"/>
+          </a:fontRef>
+        </p:style>
+      </p:cxnSp>
+      <p:cxnSp>
+        <p:nvCxnSpPr>
+          <p:cNvPr id="51" name="꺾인 연결선 50"/>
+          <p:cNvCxnSpPr>
+            <a:stCxn id="7" idx="3"/>
+            <a:endCxn id="8" idx="1"/>
+          </p:cNvCxnSpPr>
+          <p:nvPr/>
+        </p:nvCxnSpPr>
+        <p:spPr>
+          <a:xfrm flipV="1">
+            <a:off x="3797774" y="3366428"/>
+            <a:ext cx="581893" cy="800530"/>
+          </a:xfrm>
+          <a:prstGeom prst="bentConnector3">
+            <a:avLst>
+              <a:gd name="adj1" fmla="val 50000"/>
+            </a:avLst>
+          </a:prstGeom>
+          <a:ln w="57150">
+            <a:solidFill>
+              <a:schemeClr val="accent2">
+                <a:lumMod val="40000"/>
+                <a:lumOff val="60000"/>
+              </a:schemeClr>
+            </a:solidFill>
+            <a:headEnd type="triangle"/>
+            <a:tailEnd type="triangle"/>
+          </a:ln>
+        </p:spPr>
+        <p:style>
+          <a:lnRef idx="1">
+            <a:schemeClr val="accent1"/>
+          </a:lnRef>
+          <a:fillRef idx="0">
+            <a:schemeClr val="accent1"/>
+          </a:fillRef>
+          <a:effectRef idx="0">
+            <a:schemeClr val="accent1"/>
+          </a:effectRef>
+          <a:fontRef idx="minor">
+            <a:schemeClr val="tx1"/>
+          </a:fontRef>
+        </p:style>
+      </p:cxnSp>
+      <p:cxnSp>
+        <p:nvCxnSpPr>
+          <p:cNvPr id="64" name="꺾인 연결선 63"/>
+          <p:cNvCxnSpPr>
+            <a:stCxn id="5" idx="1"/>
+            <a:endCxn id="4" idx="3"/>
+          </p:cNvCxnSpPr>
+          <p:nvPr/>
+        </p:nvCxnSpPr>
+        <p:spPr>
+          <a:xfrm rot="10800000" flipV="1">
+            <a:off x="1726314" y="1467249"/>
+            <a:ext cx="2071461" cy="1"/>
+          </a:xfrm>
+          <a:prstGeom prst="bentConnector3">
+            <a:avLst>
+              <a:gd name="adj1" fmla="val 50000"/>
+            </a:avLst>
+          </a:prstGeom>
+          <a:ln w="57150">
+            <a:solidFill>
+              <a:schemeClr val="accent2"/>
+            </a:solidFill>
+            <a:headEnd type="triangle"/>
+            <a:tailEnd type="triangle"/>
+          </a:ln>
+        </p:spPr>
+        <p:style>
+          <a:lnRef idx="1">
+            <a:schemeClr val="accent1"/>
+          </a:lnRef>
+          <a:fillRef idx="0">
+            <a:schemeClr val="accent1"/>
+          </a:fillRef>
+          <a:effectRef idx="0">
+            <a:schemeClr val="accent1"/>
+          </a:effectRef>
+          <a:fontRef idx="minor">
+            <a:schemeClr val="tx1"/>
+          </a:fontRef>
+        </p:style>
+      </p:cxnSp>
+      <p:cxnSp>
+        <p:nvCxnSpPr>
+          <p:cNvPr id="88" name="꺾인 연결선 87"/>
+          <p:cNvCxnSpPr>
+            <a:stCxn id="10" idx="3"/>
+            <a:endCxn id="12" idx="1"/>
+          </p:cNvCxnSpPr>
+          <p:nvPr/>
+        </p:nvCxnSpPr>
+        <p:spPr>
+          <a:xfrm flipV="1">
+            <a:off x="9061075" y="1659217"/>
+            <a:ext cx="906860" cy="313390"/>
+          </a:xfrm>
+          <a:prstGeom prst="bentConnector3">
+            <a:avLst>
+              <a:gd name="adj1" fmla="val 50000"/>
+            </a:avLst>
+          </a:prstGeom>
+          <a:ln w="57150">
+            <a:solidFill>
+              <a:schemeClr val="accent2"/>
+            </a:solidFill>
+            <a:headEnd type="triangle"/>
+            <a:tailEnd type="triangle"/>
+          </a:ln>
+        </p:spPr>
+        <p:style>
+          <a:lnRef idx="1">
+            <a:schemeClr val="accent1"/>
+          </a:lnRef>
+          <a:fillRef idx="0">
+            <a:schemeClr val="accent1"/>
+          </a:fillRef>
+          <a:effectRef idx="0">
+            <a:schemeClr val="accent1"/>
+          </a:effectRef>
+          <a:fontRef idx="minor">
+            <a:schemeClr val="tx1"/>
+          </a:fontRef>
+        </p:style>
+      </p:cxnSp>
+      <p:cxnSp>
+        <p:nvCxnSpPr>
+          <p:cNvPr id="91" name="꺾인 연결선 90"/>
+          <p:cNvCxnSpPr>
+            <a:stCxn id="11" idx="3"/>
+            <a:endCxn id="12" idx="1"/>
+          </p:cNvCxnSpPr>
+          <p:nvPr/>
+        </p:nvCxnSpPr>
+        <p:spPr>
+          <a:xfrm flipV="1">
+            <a:off x="9286414" y="1659217"/>
+            <a:ext cx="681521" cy="3096433"/>
+          </a:xfrm>
+          <a:prstGeom prst="bentConnector3">
+            <a:avLst>
+              <a:gd name="adj1" fmla="val 50000"/>
+            </a:avLst>
+          </a:prstGeom>
+          <a:ln w="57150">
+            <a:solidFill>
+              <a:schemeClr val="accent2"/>
+            </a:solidFill>
+            <a:headEnd type="triangle"/>
+            <a:tailEnd type="triangle"/>
+          </a:ln>
+        </p:spPr>
+        <p:style>
+          <a:lnRef idx="1">
+            <a:schemeClr val="accent1"/>
+          </a:lnRef>
+          <a:fillRef idx="0">
+            <a:schemeClr val="accent1"/>
+          </a:fillRef>
+          <a:effectRef idx="0">
+            <a:schemeClr val="accent1"/>
+          </a:effectRef>
+          <a:fontRef idx="minor">
+            <a:schemeClr val="tx1"/>
+          </a:fontRef>
+        </p:style>
+      </p:cxnSp>
+      <p:cxnSp>
+        <p:nvCxnSpPr>
+          <p:cNvPr id="96" name="꺾인 연결선 95"/>
+          <p:cNvCxnSpPr>
+            <a:stCxn id="11" idx="3"/>
+            <a:endCxn id="12" idx="1"/>
+          </p:cNvCxnSpPr>
+          <p:nvPr/>
+        </p:nvCxnSpPr>
+        <p:spPr>
+          <a:xfrm flipV="1">
+            <a:off x="9286414" y="1659217"/>
+            <a:ext cx="681521" cy="3096433"/>
+          </a:xfrm>
+          <a:prstGeom prst="bentConnector3">
+            <a:avLst>
+              <a:gd name="adj1" fmla="val 50000"/>
+            </a:avLst>
+          </a:prstGeom>
+          <a:ln w="57150">
+            <a:solidFill>
+              <a:schemeClr val="accent2"/>
+            </a:solidFill>
+            <a:headEnd type="triangle"/>
+            <a:tailEnd type="triangle"/>
+          </a:ln>
+        </p:spPr>
+        <p:style>
+          <a:lnRef idx="1">
+            <a:schemeClr val="accent1"/>
+          </a:lnRef>
+          <a:fillRef idx="0">
+            <a:schemeClr val="accent1"/>
+          </a:fillRef>
+          <a:effectRef idx="0">
+            <a:schemeClr val="accent1"/>
+          </a:effectRef>
+          <a:fontRef idx="minor">
+            <a:schemeClr val="tx1"/>
+          </a:fontRef>
+        </p:style>
+      </p:cxnSp>
+      <p:cxnSp>
+        <p:nvCxnSpPr>
+          <p:cNvPr id="99" name="꺾인 연결선 98"/>
+          <p:cNvCxnSpPr>
+            <a:stCxn id="11" idx="3"/>
+            <a:endCxn id="13" idx="1"/>
+          </p:cNvCxnSpPr>
+          <p:nvPr/>
+        </p:nvCxnSpPr>
+        <p:spPr>
+          <a:xfrm flipV="1">
+            <a:off x="9286414" y="2832772"/>
+            <a:ext cx="681520" cy="1922878"/>
+          </a:xfrm>
+          <a:prstGeom prst="bentConnector3">
+            <a:avLst>
+              <a:gd name="adj1" fmla="val 50000"/>
+            </a:avLst>
+          </a:prstGeom>
+          <a:ln w="57150">
+            <a:solidFill>
+              <a:schemeClr val="accent2"/>
+            </a:solidFill>
+            <a:headEnd type="triangle"/>
+            <a:tailEnd type="triangle"/>
+          </a:ln>
+        </p:spPr>
+        <p:style>
+          <a:lnRef idx="1">
+            <a:schemeClr val="accent1"/>
+          </a:lnRef>
+          <a:fillRef idx="0">
+            <a:schemeClr val="accent1"/>
+          </a:fillRef>
+          <a:effectRef idx="0">
+            <a:schemeClr val="accent1"/>
+          </a:effectRef>
+          <a:fontRef idx="minor">
+            <a:schemeClr val="tx1"/>
+          </a:fontRef>
+        </p:style>
+      </p:cxnSp>
+      <p:sp>
+        <p:nvSpPr>
+          <p:cNvPr id="106" name="직사각형 105"/>
+          <p:cNvSpPr/>
+          <p:nvPr/>
+        </p:nvSpPr>
+        <p:spPr>
+          <a:xfrm>
+            <a:off x="6835994" y="1246910"/>
+            <a:ext cx="2685744" cy="2288445"/>
+          </a:xfrm>
+          <a:prstGeom prst="rect">
+            <a:avLst/>
+          </a:prstGeom>
+          <a:noFill/>
+        </p:spPr>
+        <p:style>
+          <a:lnRef idx="2">
+            <a:schemeClr val="accent1">
+              <a:shade val="50000"/>
+            </a:schemeClr>
+          </a:lnRef>
+          <a:fillRef idx="1">
+            <a:schemeClr val="accent1"/>
+          </a:fillRef>
+          <a:effectRef idx="0">
+            <a:schemeClr val="accent1"/>
+          </a:effectRef>
+          <a:fontRef idx="minor">
+            <a:schemeClr val="lt1"/>
+          </a:fontRef>
+        </p:style>
+        <p:txBody>
+          <a:bodyPr rtlCol="0" anchor="ctr"/>
+          <a:lstStyle/>
+          <a:p>
+            <a:pPr algn="ctr"/>
+            <a:endParaRPr lang="ko-KR" altLang="en-US"/>
+          </a:p>
+        </p:txBody>
+      </p:sp>
+      <p:sp>
+        <p:nvSpPr>
+          <p:cNvPr id="107" name="직사각형 106"/>
+          <p:cNvSpPr/>
+          <p:nvPr/>
+        </p:nvSpPr>
+        <p:spPr>
+          <a:xfrm>
+            <a:off x="6818064" y="4217390"/>
+            <a:ext cx="2685744" cy="2288445"/>
+          </a:xfrm>
+          <a:prstGeom prst="rect">
+            <a:avLst/>
+          </a:prstGeom>
+          <a:noFill/>
+        </p:spPr>
+        <p:style>
+          <a:lnRef idx="2">
+            <a:schemeClr val="accent1">
+              <a:shade val="50000"/>
+            </a:schemeClr>
+          </a:lnRef>
+          <a:fillRef idx="1">
+            <a:schemeClr val="accent1"/>
+          </a:fillRef>
+          <a:effectRef idx="0">
+            <a:schemeClr val="accent1"/>
+          </a:effectRef>
+          <a:fontRef idx="minor">
+            <a:schemeClr val="lt1"/>
+          </a:fontRef>
+        </p:style>
+        <p:txBody>
+          <a:bodyPr rtlCol="0" anchor="ctr"/>
+          <a:lstStyle/>
+          <a:p>
+            <a:pPr algn="ctr"/>
+            <a:endParaRPr lang="ko-KR" altLang="en-US"/>
+          </a:p>
+        </p:txBody>
+      </p:sp>
+      <p:sp>
+        <p:nvSpPr>
+          <p:cNvPr id="108" name="TextBox 107"/>
+          <p:cNvSpPr txBox="1"/>
+          <p:nvPr/>
+        </p:nvSpPr>
+        <p:spPr>
+          <a:xfrm>
+            <a:off x="7831075" y="831073"/>
+            <a:ext cx="4117244" cy="369332"/>
+          </a:xfrm>
+          <a:prstGeom prst="rect">
+            <a:avLst/>
+          </a:prstGeom>
+          <a:noFill/>
+        </p:spPr>
+        <p:txBody>
+          <a:bodyPr wrap="square" rtlCol="0">
+            <a:spAutoFit/>
+          </a:bodyPr>
+          <a:lstStyle/>
+          <a:p>
+            <a:r>
+              <a:rPr lang="ko-KR" altLang="en-US" dirty="0" smtClean="0"/>
+              <a:t>과천 </a:t>
+            </a:r>
+            <a:r>
+              <a:rPr lang="en-US" altLang="ko-KR" dirty="0" smtClean="0"/>
+              <a:t>: AZ-a(10.1.1. x(0 ~ 255))</a:t>
+            </a:r>
+            <a:endParaRPr lang="ko-KR" altLang="en-US" dirty="0"/>
+          </a:p>
+        </p:txBody>
+      </p:sp>
+      <p:sp>
+        <p:nvSpPr>
+          <p:cNvPr id="109" name="TextBox 108"/>
+          <p:cNvSpPr txBox="1"/>
+          <p:nvPr/>
+        </p:nvSpPr>
+        <p:spPr>
+          <a:xfrm>
+            <a:off x="7664821" y="3884979"/>
+            <a:ext cx="4682024" cy="646331"/>
+          </a:xfrm>
+          <a:prstGeom prst="rect">
+            <a:avLst/>
+          </a:prstGeom>
+          <a:noFill/>
+        </p:spPr>
+        <p:txBody>
+          <a:bodyPr wrap="square" rtlCol="0">
+            <a:spAutoFit/>
+          </a:bodyPr>
+          <a:lstStyle/>
+          <a:p>
+            <a:r>
+              <a:rPr lang="ko-KR" altLang="en-US" dirty="0" smtClean="0"/>
+              <a:t>대전 </a:t>
+            </a:r>
+            <a:r>
+              <a:rPr lang="en-US" altLang="ko-KR" dirty="0" smtClean="0"/>
+              <a:t>: AZ-b(10.1.3.x</a:t>
+            </a:r>
+            <a:r>
+              <a:rPr lang="en-US" altLang="ko-KR" dirty="0"/>
+              <a:t>)</a:t>
+            </a:r>
+            <a:endParaRPr lang="ko-KR" altLang="en-US" dirty="0"/>
+          </a:p>
+          <a:p>
+            <a:endParaRPr lang="ko-KR" altLang="en-US" dirty="0"/>
+          </a:p>
+        </p:txBody>
+      </p:sp>
+      <p:sp>
+        <p:nvSpPr>
+          <p:cNvPr id="110" name="직사각형 109"/>
+          <p:cNvSpPr/>
+          <p:nvPr/>
+        </p:nvSpPr>
+        <p:spPr>
+          <a:xfrm>
+            <a:off x="4648011" y="301590"/>
+            <a:ext cx="2954655" cy="369332"/>
+          </a:xfrm>
+          <a:prstGeom prst="rect">
+            <a:avLst/>
+          </a:prstGeom>
+        </p:spPr>
+        <p:txBody>
+          <a:bodyPr wrap="none">
+            <a:spAutoFit/>
+          </a:bodyPr>
+          <a:lstStyle/>
+          <a:p>
+            <a:r>
+              <a:rPr lang="ko-KR" altLang="en-US" dirty="0" smtClean="0"/>
+              <a:t>직원디렉토리시스템구조도</a:t>
+            </a:r>
+            <a:endParaRPr lang="ko-KR" altLang="en-US" dirty="0"/>
+          </a:p>
+        </p:txBody>
+      </p:sp>
+      <p:sp>
+        <p:nvSpPr>
+          <p:cNvPr id="10" name="직사각형 9"/>
+          <p:cNvSpPr/>
+          <p:nvPr/>
+        </p:nvSpPr>
+        <p:spPr>
+          <a:xfrm>
+            <a:off x="7080690" y="1684797"/>
+            <a:ext cx="1980385" cy="575620"/>
+          </a:xfrm>
+          <a:prstGeom prst="rect">
+            <a:avLst/>
+          </a:prstGeom>
+        </p:spPr>
+        <p:style>
+          <a:lnRef idx="2">
+            <a:schemeClr val="accent1">
+              <a:shade val="50000"/>
+            </a:schemeClr>
+          </a:lnRef>
+          <a:fillRef idx="1">
+            <a:schemeClr val="accent1"/>
+          </a:fillRef>
+          <a:effectRef idx="0">
+            <a:schemeClr val="accent1"/>
+          </a:effectRef>
+          <a:fontRef idx="minor">
+            <a:schemeClr val="lt1"/>
+          </a:fontRef>
+        </p:style>
+        <p:txBody>
+          <a:bodyPr rtlCol="0" anchor="ctr"/>
+          <a:lstStyle/>
+          <a:p>
+            <a:pPr algn="ctr"/>
+            <a:r>
+              <a:rPr lang="en-US" altLang="ko-KR" dirty="0" smtClean="0"/>
+              <a:t>EC2</a:t>
+            </a:r>
+            <a:endParaRPr lang="en-US" altLang="ko-KR" dirty="0" smtClean="0"/>
+          </a:p>
+        </p:txBody>
+      </p:sp>
+      <p:sp>
+        <p:nvSpPr>
+          <p:cNvPr id="46" name="직사각형 45"/>
+          <p:cNvSpPr/>
+          <p:nvPr/>
+        </p:nvSpPr>
+        <p:spPr>
+          <a:xfrm>
+            <a:off x="7069077" y="2474451"/>
+            <a:ext cx="1980385" cy="575620"/>
+          </a:xfrm>
+          <a:prstGeom prst="rect">
+            <a:avLst/>
+          </a:prstGeom>
+        </p:spPr>
+        <p:style>
+          <a:lnRef idx="2">
+            <a:schemeClr val="accent1">
+              <a:shade val="50000"/>
+            </a:schemeClr>
+          </a:lnRef>
+          <a:fillRef idx="1">
+            <a:schemeClr val="accent1"/>
+          </a:fillRef>
+          <a:effectRef idx="0">
+            <a:schemeClr val="accent1"/>
+          </a:effectRef>
+          <a:fontRef idx="minor">
+            <a:schemeClr val="lt1"/>
+          </a:fontRef>
+        </p:style>
+        <p:txBody>
+          <a:bodyPr rtlCol="0" anchor="ctr"/>
+          <a:lstStyle/>
+          <a:p>
+            <a:pPr algn="ctr"/>
+            <a:r>
+              <a:rPr lang="en-US" altLang="ko-KR" dirty="0" smtClean="0"/>
+              <a:t>EC2</a:t>
+            </a:r>
+          </a:p>
+        </p:txBody>
+      </p:sp>
+      <p:sp>
+        <p:nvSpPr>
+          <p:cNvPr id="47" name="직사각형 46"/>
+          <p:cNvSpPr/>
+          <p:nvPr/>
+        </p:nvSpPr>
+        <p:spPr>
+          <a:xfrm>
+            <a:off x="5741652" y="1025791"/>
+            <a:ext cx="1784463" cy="369332"/>
+          </a:xfrm>
+          <a:prstGeom prst="rect">
+            <a:avLst/>
+          </a:prstGeom>
+        </p:spPr>
+        <p:txBody>
+          <a:bodyPr wrap="none">
+            <a:spAutoFit/>
+          </a:bodyPr>
+          <a:lstStyle/>
+          <a:p>
+            <a:r>
+              <a:rPr lang="ko-KR" altLang="en-US" dirty="0" smtClean="0"/>
+              <a:t>프록시 </a:t>
+            </a:r>
+            <a:r>
+              <a:rPr lang="en-US" altLang="ko-KR" dirty="0" smtClean="0"/>
+              <a:t>: </a:t>
+            </a:r>
+            <a:r>
+              <a:rPr lang="ko-KR" altLang="en-US" dirty="0" smtClean="0"/>
+              <a:t>대리인</a:t>
+            </a:r>
+            <a:endParaRPr lang="ko-KR" altLang="en-US" dirty="0"/>
+          </a:p>
+        </p:txBody>
+      </p:sp>
+      <p:sp>
+        <p:nvSpPr>
+          <p:cNvPr id="34" name="직사각형 33"/>
+          <p:cNvSpPr/>
+          <p:nvPr/>
+        </p:nvSpPr>
+        <p:spPr>
+          <a:xfrm>
+            <a:off x="9896218" y="1200405"/>
+            <a:ext cx="2328975" cy="3797011"/>
+          </a:xfrm>
+          <a:prstGeom prst="rect">
+            <a:avLst/>
+          </a:prstGeom>
+          <a:noFill/>
+        </p:spPr>
+        <p:style>
+          <a:lnRef idx="2">
+            <a:schemeClr val="accent1">
+              <a:shade val="50000"/>
+            </a:schemeClr>
+          </a:lnRef>
+          <a:fillRef idx="1">
+            <a:schemeClr val="accent1"/>
+          </a:fillRef>
+          <a:effectRef idx="0">
+            <a:schemeClr val="accent1"/>
+          </a:effectRef>
+          <a:fontRef idx="minor">
+            <a:schemeClr val="lt1"/>
+          </a:fontRef>
+        </p:style>
+        <p:txBody>
+          <a:bodyPr rtlCol="0" anchor="ctr"/>
+          <a:lstStyle/>
+          <a:p>
+            <a:pPr algn="ctr"/>
+            <a:endParaRPr lang="ko-KR" altLang="en-US"/>
+          </a:p>
+        </p:txBody>
+      </p:sp>
+      <p:sp>
+        <p:nvSpPr>
+          <p:cNvPr id="35" name="TextBox 34"/>
+          <p:cNvSpPr txBox="1"/>
+          <p:nvPr/>
+        </p:nvSpPr>
+        <p:spPr>
+          <a:xfrm>
+            <a:off x="10382143" y="4347766"/>
+            <a:ext cx="1479591" cy="646331"/>
+          </a:xfrm>
+          <a:prstGeom prst="rect">
+            <a:avLst/>
+          </a:prstGeom>
+          <a:noFill/>
+        </p:spPr>
+        <p:txBody>
+          <a:bodyPr wrap="square" rtlCol="0">
+            <a:spAutoFit/>
+          </a:bodyPr>
+          <a:lstStyle/>
+          <a:p>
+            <a:r>
+              <a:rPr lang="en-US" altLang="ko-KR" dirty="0" smtClean="0"/>
+              <a:t>Data</a:t>
+            </a:r>
+            <a:r>
+              <a:rPr lang="ko-KR" altLang="en-US" dirty="0" smtClean="0"/>
+              <a:t> </a:t>
+            </a:r>
+            <a:r>
+              <a:rPr lang="ko-KR" altLang="en-US" dirty="0" smtClean="0"/>
+              <a:t>영역</a:t>
+            </a:r>
+            <a:endParaRPr lang="en-US" altLang="ko-KR" dirty="0" smtClean="0"/>
+          </a:p>
+          <a:p>
+            <a:r>
+              <a:rPr lang="en-US" altLang="ko-KR" dirty="0" smtClean="0"/>
+              <a:t>(</a:t>
+            </a:r>
+            <a:r>
+              <a:rPr lang="en-US" altLang="ko-KR" dirty="0" err="1" smtClean="0"/>
+              <a:t>usb</a:t>
+            </a:r>
+            <a:r>
+              <a:rPr lang="en-US" altLang="ko-KR" dirty="0" smtClean="0"/>
+              <a:t> disk)</a:t>
+            </a:r>
+            <a:endParaRPr lang="ko-KR" altLang="en-US" dirty="0"/>
+          </a:p>
+        </p:txBody>
+      </p:sp>
+    </p:spTree>
+    <p:extLst>
+      <p:ext uri="{BB962C8B-B14F-4D97-AF65-F5344CB8AC3E}">
+        <p14:creationId xmlns:p14="http://schemas.microsoft.com/office/powerpoint/2010/main" val="4244976272"/>
+      </p:ext>
+    </p:extLst>
+  </p:cSld>
+  <p:clrMapOvr>
+    <a:masterClrMapping/>
+  </p:clrMapOvr>
+</p:sld>
+</file>
+
+<file path=ppt/slides/slide4.xml><?xml version="1.0" encoding="utf-8"?>
+<p:sld xmlns:a="http://schemas.openxmlformats.org/drawingml/2006/main" xmlns:r="http://schemas.openxmlformats.org/officeDocument/2006/relationships" xmlns:p="http://schemas.openxmlformats.org/presentationml/2006/main">
+  <p:cSld>
+    <p:spTree>
+      <p:nvGrpSpPr>
+        <p:cNvPr id="1" name=""/>
+        <p:cNvGrpSpPr/>
+        <p:nvPr/>
+      </p:nvGrpSpPr>
+      <p:grpSpPr>
+        <a:xfrm>
+          <a:off x="0" y="0"/>
+          <a:ext cx="0" cy="0"/>
+          <a:chOff x="0" y="0"/>
+          <a:chExt cx="0" cy="0"/>
+        </a:xfrm>
+      </p:grpSpPr>
+      <p:sp>
+        <p:nvSpPr>
+          <p:cNvPr id="4" name="직사각형 3"/>
+          <p:cNvSpPr/>
+          <p:nvPr/>
+        </p:nvSpPr>
+        <p:spPr>
+          <a:xfrm>
+            <a:off x="5315256" y="713916"/>
+            <a:ext cx="1872809" cy="718807"/>
+          </a:xfrm>
+          <a:prstGeom prst="rect">
+            <a:avLst/>
+          </a:prstGeom>
+        </p:spPr>
+        <p:style>
+          <a:lnRef idx="2">
+            <a:schemeClr val="accent1">
+              <a:shade val="50000"/>
+            </a:schemeClr>
+          </a:lnRef>
+          <a:fillRef idx="1">
+            <a:schemeClr val="accent1"/>
+          </a:fillRef>
+          <a:effectRef idx="0">
+            <a:schemeClr val="accent1"/>
+          </a:effectRef>
+          <a:fontRef idx="minor">
+            <a:schemeClr val="lt1"/>
+          </a:fontRef>
+        </p:style>
+        <p:txBody>
+          <a:bodyPr rtlCol="0" anchor="ctr"/>
+          <a:lstStyle/>
+          <a:p>
+            <a:pPr algn="ctr"/>
+            <a:r>
+              <a:rPr lang="ko-KR" altLang="en-US" dirty="0" err="1" smtClean="0"/>
+              <a:t>인테넷망</a:t>
+            </a:r>
+            <a:r>
+              <a:rPr lang="ko-KR" altLang="en-US" dirty="0" smtClean="0"/>
+              <a:t> </a:t>
+            </a:r>
+            <a:endParaRPr lang="ko-KR" altLang="en-US" dirty="0"/>
+          </a:p>
+        </p:txBody>
+      </p:sp>
+      <p:sp>
+        <p:nvSpPr>
+          <p:cNvPr id="5" name="직사각형 4"/>
+          <p:cNvSpPr/>
+          <p:nvPr/>
+        </p:nvSpPr>
+        <p:spPr>
+          <a:xfrm>
+            <a:off x="5349485" y="1751377"/>
+            <a:ext cx="1872809" cy="718807"/>
+          </a:xfrm>
+          <a:prstGeom prst="rect">
+            <a:avLst/>
+          </a:prstGeom>
+        </p:spPr>
+        <p:style>
+          <a:lnRef idx="2">
+            <a:schemeClr val="accent1">
+              <a:shade val="50000"/>
+            </a:schemeClr>
+          </a:lnRef>
+          <a:fillRef idx="1">
+            <a:schemeClr val="accent1"/>
+          </a:fillRef>
+          <a:effectRef idx="0">
+            <a:schemeClr val="accent1"/>
+          </a:effectRef>
+          <a:fontRef idx="minor">
+            <a:schemeClr val="lt1"/>
+          </a:fontRef>
+        </p:style>
+        <p:txBody>
+          <a:bodyPr rtlCol="0" anchor="ctr"/>
+          <a:lstStyle/>
+          <a:p>
+            <a:pPr algn="ctr"/>
+            <a:r>
+              <a:rPr lang="en-US" altLang="ko-KR" dirty="0" smtClean="0"/>
+              <a:t>SK/KT/LG</a:t>
+            </a:r>
+            <a:endParaRPr lang="ko-KR" altLang="en-US" dirty="0"/>
+          </a:p>
+        </p:txBody>
+      </p:sp>
+      <p:sp>
+        <p:nvSpPr>
+          <p:cNvPr id="6" name="직사각형 5"/>
+          <p:cNvSpPr/>
+          <p:nvPr/>
+        </p:nvSpPr>
+        <p:spPr>
+          <a:xfrm>
+            <a:off x="4708915" y="2574090"/>
+            <a:ext cx="5633095" cy="880986"/>
+          </a:xfrm>
+          <a:prstGeom prst="rect">
+            <a:avLst/>
+          </a:prstGeom>
+        </p:spPr>
+        <p:style>
+          <a:lnRef idx="2">
+            <a:schemeClr val="accent1">
+              <a:shade val="50000"/>
+            </a:schemeClr>
+          </a:lnRef>
+          <a:fillRef idx="1">
+            <a:schemeClr val="accent1"/>
+          </a:fillRef>
+          <a:effectRef idx="0">
+            <a:schemeClr val="accent1"/>
+          </a:effectRef>
+          <a:fontRef idx="minor">
+            <a:schemeClr val="lt1"/>
+          </a:fontRef>
+        </p:style>
+        <p:txBody>
+          <a:bodyPr rtlCol="0" anchor="ctr"/>
+          <a:lstStyle/>
+          <a:p>
+            <a:pPr algn="ctr"/>
+            <a:r>
+              <a:rPr lang="ko-KR" altLang="en-US" dirty="0" smtClean="0"/>
+              <a:t>아파트 동 </a:t>
+            </a:r>
+            <a:r>
+              <a:rPr lang="en-US" altLang="ko-KR" dirty="0" smtClean="0"/>
+              <a:t>/ </a:t>
+            </a:r>
+            <a:r>
+              <a:rPr lang="ko-KR" altLang="en-US" dirty="0" smtClean="0"/>
+              <a:t>라우터</a:t>
+            </a:r>
+            <a:r>
+              <a:rPr lang="en-US" altLang="ko-KR" dirty="0" smtClean="0"/>
+              <a:t> (</a:t>
+            </a:r>
+            <a:r>
+              <a:rPr lang="ko-KR" altLang="en-US" dirty="0" err="1" smtClean="0"/>
+              <a:t>공인아이피</a:t>
+            </a:r>
+            <a:r>
+              <a:rPr lang="ko-KR" altLang="en-US" dirty="0" smtClean="0"/>
+              <a:t> </a:t>
+            </a:r>
+            <a:r>
+              <a:rPr lang="en-US" altLang="ko-KR" dirty="0" smtClean="0"/>
+              <a:t>: 182.227.222.10)</a:t>
+            </a:r>
+          </a:p>
+          <a:p>
+            <a:pPr algn="ctr"/>
+            <a:r>
+              <a:rPr lang="ko-KR" altLang="en-US" dirty="0" err="1" smtClean="0"/>
+              <a:t>사설아이피</a:t>
+            </a:r>
+            <a:r>
+              <a:rPr lang="en-US" altLang="ko-KR" dirty="0" smtClean="0"/>
+              <a:t>(192.168.0.0~192.168.0.255 / 192.168.0.0/24) </a:t>
+            </a:r>
+            <a:r>
+              <a:rPr lang="ko-KR" altLang="en-US" dirty="0" smtClean="0"/>
+              <a:t>동적</a:t>
+            </a:r>
+            <a:r>
+              <a:rPr lang="en-US" altLang="ko-KR" dirty="0" smtClean="0"/>
+              <a:t>(DHCP)</a:t>
+            </a:r>
+            <a:endParaRPr lang="ko-KR" altLang="en-US" dirty="0"/>
+          </a:p>
+        </p:txBody>
+      </p:sp>
+      <p:sp>
+        <p:nvSpPr>
+          <p:cNvPr id="7" name="직사각형 6"/>
+          <p:cNvSpPr/>
+          <p:nvPr/>
+        </p:nvSpPr>
+        <p:spPr>
+          <a:xfrm>
+            <a:off x="4993342" y="3626629"/>
+            <a:ext cx="3045554" cy="1439245"/>
+          </a:xfrm>
+          <a:prstGeom prst="rect">
+            <a:avLst/>
+          </a:prstGeom>
+        </p:spPr>
+        <p:style>
+          <a:lnRef idx="2">
+            <a:schemeClr val="accent1">
+              <a:shade val="50000"/>
+            </a:schemeClr>
+          </a:lnRef>
+          <a:fillRef idx="1">
+            <a:schemeClr val="accent1"/>
+          </a:fillRef>
+          <a:effectRef idx="0">
+            <a:schemeClr val="accent1"/>
+          </a:effectRef>
+          <a:fontRef idx="minor">
+            <a:schemeClr val="lt1"/>
+          </a:fontRef>
+        </p:style>
+        <p:txBody>
+          <a:bodyPr rtlCol="0" anchor="ctr"/>
+          <a:lstStyle/>
+          <a:p>
+            <a:pPr algn="ctr"/>
+            <a:r>
+              <a:rPr lang="ko-KR" altLang="en-US" dirty="0" smtClean="0"/>
+              <a:t>집</a:t>
+            </a:r>
+            <a:r>
+              <a:rPr lang="en-US" altLang="ko-KR" dirty="0" smtClean="0"/>
+              <a:t>(</a:t>
+            </a:r>
+            <a:r>
+              <a:rPr lang="ko-KR" altLang="en-US" dirty="0" smtClean="0"/>
+              <a:t>스위치</a:t>
+            </a:r>
+            <a:r>
+              <a:rPr lang="en-US" altLang="ko-KR" dirty="0" smtClean="0"/>
+              <a:t>/hub)</a:t>
+            </a:r>
+          </a:p>
+          <a:p>
+            <a:pPr algn="ctr"/>
+            <a:r>
+              <a:rPr lang="ko-KR" altLang="en-US" dirty="0" err="1" smtClean="0"/>
+              <a:t>사설아이피</a:t>
+            </a:r>
+            <a:r>
+              <a:rPr lang="en-US" altLang="ko-KR" dirty="0" smtClean="0"/>
+              <a:t>(192.168.0.3)</a:t>
+            </a:r>
+          </a:p>
+          <a:p>
+            <a:pPr algn="ctr"/>
+            <a:r>
+              <a:rPr lang="ko-KR" altLang="en-US" dirty="0" err="1"/>
+              <a:t>사설아이피</a:t>
+            </a:r>
+            <a:r>
+              <a:rPr lang="en-US" altLang="ko-KR" dirty="0"/>
+              <a:t>(</a:t>
+            </a:r>
+            <a:r>
+              <a:rPr lang="en-US" altLang="ko-KR" dirty="0" smtClean="0"/>
+              <a:t>192.168.1.0~255)</a:t>
+            </a:r>
+            <a:endParaRPr lang="en-US" altLang="ko-KR" dirty="0"/>
+          </a:p>
+          <a:p>
+            <a:pPr algn="ctr"/>
+            <a:r>
+              <a:rPr lang="en-US" altLang="ko-KR" dirty="0" smtClean="0"/>
+              <a:t>(</a:t>
+            </a:r>
+            <a:r>
+              <a:rPr lang="ko-KR" altLang="en-US" dirty="0"/>
+              <a:t>발급</a:t>
+            </a:r>
+            <a:r>
+              <a:rPr lang="en-US" altLang="ko-KR" dirty="0"/>
+              <a:t>) </a:t>
+            </a:r>
+            <a:r>
+              <a:rPr lang="ko-KR" altLang="en-US" dirty="0"/>
+              <a:t>동적</a:t>
+            </a:r>
+            <a:r>
+              <a:rPr lang="en-US" altLang="ko-KR" dirty="0"/>
+              <a:t>(DHCP</a:t>
+            </a:r>
+            <a:r>
+              <a:rPr lang="en-US" altLang="ko-KR" dirty="0" smtClean="0"/>
+              <a:t>)</a:t>
+            </a:r>
+            <a:endParaRPr lang="ko-KR" altLang="en-US" dirty="0"/>
+          </a:p>
+        </p:txBody>
+      </p:sp>
+      <p:sp>
+        <p:nvSpPr>
+          <p:cNvPr id="8" name="직사각형 7"/>
+          <p:cNvSpPr/>
+          <p:nvPr/>
+        </p:nvSpPr>
+        <p:spPr>
+          <a:xfrm>
+            <a:off x="1439243" y="3626630"/>
+            <a:ext cx="2889895" cy="718807"/>
+          </a:xfrm>
+          <a:prstGeom prst="rect">
+            <a:avLst/>
+          </a:prstGeom>
+        </p:spPr>
+        <p:style>
+          <a:lnRef idx="2">
+            <a:schemeClr val="accent1">
+              <a:shade val="50000"/>
+            </a:schemeClr>
+          </a:lnRef>
+          <a:fillRef idx="1">
+            <a:schemeClr val="accent1"/>
+          </a:fillRef>
+          <a:effectRef idx="0">
+            <a:schemeClr val="accent1"/>
+          </a:effectRef>
+          <a:fontRef idx="minor">
+            <a:schemeClr val="lt1"/>
+          </a:fontRef>
+        </p:style>
+        <p:txBody>
+          <a:bodyPr rtlCol="0" anchor="ctr"/>
+          <a:lstStyle/>
+          <a:p>
+            <a:pPr algn="ctr"/>
+            <a:r>
+              <a:rPr lang="ko-KR" altLang="en-US" dirty="0" smtClean="0"/>
+              <a:t>집</a:t>
+            </a:r>
+            <a:r>
+              <a:rPr lang="en-US" altLang="ko-KR" dirty="0" smtClean="0"/>
+              <a:t>(</a:t>
+            </a:r>
+            <a:r>
+              <a:rPr lang="ko-KR" altLang="en-US" dirty="0" smtClean="0"/>
+              <a:t>스위치</a:t>
+            </a:r>
+            <a:r>
+              <a:rPr lang="en-US" altLang="ko-KR" dirty="0" smtClean="0"/>
+              <a:t>)</a:t>
+            </a:r>
+          </a:p>
+          <a:p>
+            <a:pPr algn="ctr"/>
+            <a:r>
+              <a:rPr lang="ko-KR" altLang="en-US" dirty="0" err="1"/>
+              <a:t>사설아이피</a:t>
+            </a:r>
+            <a:r>
+              <a:rPr lang="en-US" altLang="ko-KR" dirty="0"/>
+              <a:t>(</a:t>
+            </a:r>
+            <a:r>
+              <a:rPr lang="en-US" altLang="ko-KR" dirty="0" smtClean="0"/>
+              <a:t>192.168.0.2)</a:t>
+            </a:r>
+            <a:endParaRPr lang="ko-KR" altLang="en-US" dirty="0"/>
+          </a:p>
+        </p:txBody>
+      </p:sp>
+      <p:sp>
+        <p:nvSpPr>
+          <p:cNvPr id="9" name="직사각형 8"/>
+          <p:cNvSpPr/>
+          <p:nvPr/>
+        </p:nvSpPr>
+        <p:spPr>
+          <a:xfrm>
+            <a:off x="8547441" y="3626629"/>
+            <a:ext cx="2889895" cy="718807"/>
+          </a:xfrm>
+          <a:prstGeom prst="rect">
+            <a:avLst/>
+          </a:prstGeom>
+        </p:spPr>
+        <p:style>
+          <a:lnRef idx="2">
+            <a:schemeClr val="accent1">
+              <a:shade val="50000"/>
+            </a:schemeClr>
+          </a:lnRef>
+          <a:fillRef idx="1">
+            <a:schemeClr val="accent1"/>
+          </a:fillRef>
+          <a:effectRef idx="0">
+            <a:schemeClr val="accent1"/>
+          </a:effectRef>
+          <a:fontRef idx="minor">
+            <a:schemeClr val="lt1"/>
+          </a:fontRef>
+        </p:style>
+        <p:txBody>
+          <a:bodyPr rtlCol="0" anchor="ctr"/>
+          <a:lstStyle/>
+          <a:p>
+            <a:pPr algn="ctr"/>
+            <a:r>
+              <a:rPr lang="ko-KR" altLang="en-US" dirty="0" smtClean="0"/>
+              <a:t>집</a:t>
+            </a:r>
+            <a:r>
+              <a:rPr lang="en-US" altLang="ko-KR" dirty="0" smtClean="0"/>
+              <a:t>(</a:t>
+            </a:r>
+            <a:r>
+              <a:rPr lang="ko-KR" altLang="en-US" dirty="0" smtClean="0"/>
+              <a:t>스위치</a:t>
+            </a:r>
+            <a:r>
+              <a:rPr lang="en-US" altLang="ko-KR" dirty="0" smtClean="0"/>
+              <a:t>)</a:t>
+            </a:r>
+            <a:r>
+              <a:rPr lang="ko-KR" altLang="en-US" dirty="0"/>
+              <a:t> </a:t>
+            </a:r>
+            <a:endParaRPr lang="en-US" altLang="ko-KR" dirty="0" smtClean="0"/>
+          </a:p>
+          <a:p>
+            <a:pPr algn="ctr"/>
+            <a:r>
+              <a:rPr lang="ko-KR" altLang="en-US" dirty="0" err="1" smtClean="0"/>
+              <a:t>사설아이피</a:t>
+            </a:r>
+            <a:r>
+              <a:rPr lang="en-US" altLang="ko-KR" dirty="0"/>
+              <a:t>(</a:t>
+            </a:r>
+            <a:r>
+              <a:rPr lang="en-US" altLang="ko-KR" dirty="0" smtClean="0"/>
+              <a:t>192.168.0.4)</a:t>
+            </a:r>
+            <a:endParaRPr lang="ko-KR" altLang="en-US" dirty="0"/>
+          </a:p>
+        </p:txBody>
+      </p:sp>
+      <p:sp>
+        <p:nvSpPr>
+          <p:cNvPr id="10" name="직사각형 9"/>
+          <p:cNvSpPr/>
+          <p:nvPr/>
+        </p:nvSpPr>
+        <p:spPr>
+          <a:xfrm>
+            <a:off x="3361765" y="5610273"/>
+            <a:ext cx="2889895" cy="718807"/>
+          </a:xfrm>
+          <a:prstGeom prst="rect">
+            <a:avLst/>
+          </a:prstGeom>
+        </p:spPr>
+        <p:style>
+          <a:lnRef idx="2">
+            <a:schemeClr val="accent1">
+              <a:shade val="50000"/>
+            </a:schemeClr>
+          </a:lnRef>
+          <a:fillRef idx="1">
+            <a:schemeClr val="accent1"/>
+          </a:fillRef>
+          <a:effectRef idx="0">
+            <a:schemeClr val="accent1"/>
+          </a:effectRef>
+          <a:fontRef idx="minor">
+            <a:schemeClr val="lt1"/>
+          </a:fontRef>
+        </p:style>
+        <p:txBody>
+          <a:bodyPr rtlCol="0" anchor="ctr"/>
+          <a:lstStyle/>
+          <a:p>
+            <a:pPr algn="ctr"/>
+            <a:r>
+              <a:rPr lang="en-US" altLang="ko-KR" dirty="0" smtClean="0"/>
+              <a:t>PC(192.168.1.3)</a:t>
+            </a:r>
+            <a:endParaRPr lang="ko-KR" altLang="en-US" dirty="0"/>
+          </a:p>
+        </p:txBody>
+      </p:sp>
+      <p:sp>
+        <p:nvSpPr>
+          <p:cNvPr id="11" name="직사각형 10"/>
+          <p:cNvSpPr/>
+          <p:nvPr/>
+        </p:nvSpPr>
+        <p:spPr>
+          <a:xfrm>
+            <a:off x="6887339" y="5610273"/>
+            <a:ext cx="2889895" cy="718807"/>
+          </a:xfrm>
+          <a:prstGeom prst="rect">
+            <a:avLst/>
+          </a:prstGeom>
+        </p:spPr>
+        <p:style>
+          <a:lnRef idx="2">
+            <a:schemeClr val="accent1">
+              <a:shade val="50000"/>
+            </a:schemeClr>
+          </a:lnRef>
+          <a:fillRef idx="1">
+            <a:schemeClr val="accent1"/>
+          </a:fillRef>
+          <a:effectRef idx="0">
+            <a:schemeClr val="accent1"/>
+          </a:effectRef>
+          <a:fontRef idx="minor">
+            <a:schemeClr val="lt1"/>
+          </a:fontRef>
+        </p:style>
+        <p:txBody>
+          <a:bodyPr rtlCol="0" anchor="ctr"/>
+          <a:lstStyle/>
+          <a:p>
+            <a:pPr algn="ctr"/>
+            <a:r>
+              <a:rPr lang="ko-KR" altLang="en-US" dirty="0" smtClean="0"/>
+              <a:t>노트북</a:t>
+            </a:r>
+            <a:r>
+              <a:rPr lang="en-US" altLang="ko-KR" dirty="0"/>
+              <a:t>(</a:t>
+            </a:r>
+            <a:r>
+              <a:rPr lang="en-US" altLang="ko-KR" dirty="0" smtClean="0"/>
+              <a:t>192.168.1.4)</a:t>
+            </a:r>
+            <a:endParaRPr lang="ko-KR" altLang="en-US" dirty="0"/>
+          </a:p>
+        </p:txBody>
+      </p:sp>
+      <p:sp>
+        <p:nvSpPr>
+          <p:cNvPr id="12" name="직사각형 11"/>
+          <p:cNvSpPr/>
+          <p:nvPr/>
+        </p:nvSpPr>
+        <p:spPr>
+          <a:xfrm>
+            <a:off x="10051881" y="5610273"/>
+            <a:ext cx="2889895" cy="718807"/>
+          </a:xfrm>
+          <a:prstGeom prst="rect">
+            <a:avLst/>
+          </a:prstGeom>
+        </p:spPr>
+        <p:style>
+          <a:lnRef idx="2">
+            <a:schemeClr val="accent1">
+              <a:shade val="50000"/>
+            </a:schemeClr>
+          </a:lnRef>
+          <a:fillRef idx="1">
+            <a:schemeClr val="accent1"/>
+          </a:fillRef>
+          <a:effectRef idx="0">
+            <a:schemeClr val="accent1"/>
+          </a:effectRef>
+          <a:fontRef idx="minor">
+            <a:schemeClr val="lt1"/>
+          </a:fontRef>
+        </p:style>
+        <p:txBody>
+          <a:bodyPr rtlCol="0" anchor="ctr"/>
+          <a:lstStyle/>
+          <a:p>
+            <a:pPr algn="ctr"/>
+            <a:r>
+              <a:rPr lang="ko-KR" altLang="en-US" dirty="0" smtClean="0"/>
+              <a:t>스마트폰</a:t>
+            </a:r>
+            <a:r>
+              <a:rPr lang="en-US" altLang="ko-KR" dirty="0" smtClean="0"/>
+              <a:t>(192.168.1.5)</a:t>
+            </a:r>
+            <a:endParaRPr lang="ko-KR" altLang="en-US" dirty="0"/>
+          </a:p>
+        </p:txBody>
+      </p:sp>
+    </p:spTree>
+    <p:extLst>
+      <p:ext uri="{BB962C8B-B14F-4D97-AF65-F5344CB8AC3E}">
+        <p14:creationId xmlns:p14="http://schemas.microsoft.com/office/powerpoint/2010/main" val="2768866718"/>
       </p:ext>
     </p:extLst>
   </p:cSld>

--- a/완성된구조도.pptx
+++ b/완성된구조도.pptx
@@ -8,7 +8,9 @@
     <p:sldId id="257" r:id="rId2"/>
     <p:sldId id="258" r:id="rId3"/>
     <p:sldId id="259" r:id="rId4"/>
-    <p:sldId id="260" r:id="rId5"/>
+    <p:sldId id="262" r:id="rId5"/>
+    <p:sldId id="260" r:id="rId6"/>
+    <p:sldId id="261" r:id="rId7"/>
   </p:sldIdLst>
   <p:sldSz cx="12192000" cy="6858000"/>
   <p:notesSz cx="6858000" cy="9144000"/>
@@ -246,7 +248,7 @@
           <a:p>
             <a:fld id="{0C064A53-159A-476D-BC62-ECF0DD6A85E3}" type="datetimeFigureOut">
               <a:rPr lang="ko-KR" altLang="en-US" smtClean="0"/>
-              <a:t>2025-09-29</a:t>
+              <a:t>2025-10-20</a:t>
             </a:fld>
             <a:endParaRPr lang="ko-KR" altLang="en-US"/>
           </a:p>
@@ -416,7 +418,7 @@
           <a:p>
             <a:fld id="{0C064A53-159A-476D-BC62-ECF0DD6A85E3}" type="datetimeFigureOut">
               <a:rPr lang="ko-KR" altLang="en-US" smtClean="0"/>
-              <a:t>2025-09-29</a:t>
+              <a:t>2025-10-20</a:t>
             </a:fld>
             <a:endParaRPr lang="ko-KR" altLang="en-US"/>
           </a:p>
@@ -596,7 +598,7 @@
           <a:p>
             <a:fld id="{0C064A53-159A-476D-BC62-ECF0DD6A85E3}" type="datetimeFigureOut">
               <a:rPr lang="ko-KR" altLang="en-US" smtClean="0"/>
-              <a:t>2025-09-29</a:t>
+              <a:t>2025-10-20</a:t>
             </a:fld>
             <a:endParaRPr lang="ko-KR" altLang="en-US"/>
           </a:p>
@@ -766,7 +768,7 @@
           <a:p>
             <a:fld id="{0C064A53-159A-476D-BC62-ECF0DD6A85E3}" type="datetimeFigureOut">
               <a:rPr lang="ko-KR" altLang="en-US" smtClean="0"/>
-              <a:t>2025-09-29</a:t>
+              <a:t>2025-10-20</a:t>
             </a:fld>
             <a:endParaRPr lang="ko-KR" altLang="en-US"/>
           </a:p>
@@ -1012,7 +1014,7 @@
           <a:p>
             <a:fld id="{0C064A53-159A-476D-BC62-ECF0DD6A85E3}" type="datetimeFigureOut">
               <a:rPr lang="ko-KR" altLang="en-US" smtClean="0"/>
-              <a:t>2025-09-29</a:t>
+              <a:t>2025-10-20</a:t>
             </a:fld>
             <a:endParaRPr lang="ko-KR" altLang="en-US"/>
           </a:p>
@@ -1244,7 +1246,7 @@
           <a:p>
             <a:fld id="{0C064A53-159A-476D-BC62-ECF0DD6A85E3}" type="datetimeFigureOut">
               <a:rPr lang="ko-KR" altLang="en-US" smtClean="0"/>
-              <a:t>2025-09-29</a:t>
+              <a:t>2025-10-20</a:t>
             </a:fld>
             <a:endParaRPr lang="ko-KR" altLang="en-US"/>
           </a:p>
@@ -1611,7 +1613,7 @@
           <a:p>
             <a:fld id="{0C064A53-159A-476D-BC62-ECF0DD6A85E3}" type="datetimeFigureOut">
               <a:rPr lang="ko-KR" altLang="en-US" smtClean="0"/>
-              <a:t>2025-09-29</a:t>
+              <a:t>2025-10-20</a:t>
             </a:fld>
             <a:endParaRPr lang="ko-KR" altLang="en-US"/>
           </a:p>
@@ -1729,7 +1731,7 @@
           <a:p>
             <a:fld id="{0C064A53-159A-476D-BC62-ECF0DD6A85E3}" type="datetimeFigureOut">
               <a:rPr lang="ko-KR" altLang="en-US" smtClean="0"/>
-              <a:t>2025-09-29</a:t>
+              <a:t>2025-10-20</a:t>
             </a:fld>
             <a:endParaRPr lang="ko-KR" altLang="en-US"/>
           </a:p>
@@ -1824,7 +1826,7 @@
           <a:p>
             <a:fld id="{0C064A53-159A-476D-BC62-ECF0DD6A85E3}" type="datetimeFigureOut">
               <a:rPr lang="ko-KR" altLang="en-US" smtClean="0"/>
-              <a:t>2025-09-29</a:t>
+              <a:t>2025-10-20</a:t>
             </a:fld>
             <a:endParaRPr lang="ko-KR" altLang="en-US"/>
           </a:p>
@@ -2101,7 +2103,7 @@
           <a:p>
             <a:fld id="{0C064A53-159A-476D-BC62-ECF0DD6A85E3}" type="datetimeFigureOut">
               <a:rPr lang="ko-KR" altLang="en-US" smtClean="0"/>
-              <a:t>2025-09-29</a:t>
+              <a:t>2025-10-20</a:t>
             </a:fld>
             <a:endParaRPr lang="ko-KR" altLang="en-US"/>
           </a:p>
@@ -2354,7 +2356,7 @@
           <a:p>
             <a:fld id="{0C064A53-159A-476D-BC62-ECF0DD6A85E3}" type="datetimeFigureOut">
               <a:rPr lang="ko-KR" altLang="en-US" smtClean="0"/>
-              <a:t>2025-09-29</a:t>
+              <a:t>2025-10-20</a:t>
             </a:fld>
             <a:endParaRPr lang="ko-KR" altLang="en-US"/>
           </a:p>
@@ -2567,7 +2569,7 @@
           <a:p>
             <a:fld id="{0C064A53-159A-476D-BC62-ECF0DD6A85E3}" type="datetimeFigureOut">
               <a:rPr lang="ko-KR" altLang="en-US" smtClean="0"/>
-              <a:t>2025-09-29</a:t>
+              <a:t>2025-10-20</a:t>
             </a:fld>
             <a:endParaRPr lang="ko-KR" altLang="en-US"/>
           </a:p>
@@ -4297,7 +4299,6 @@
               <a:rPr lang="en-US" altLang="ko-KR" dirty="0" smtClean="0"/>
               <a:t>1 -&gt; 2 -&gt; EC2</a:t>
             </a:r>
-            <a:endParaRPr lang="en-US" altLang="ko-KR" dirty="0" smtClean="0"/>
           </a:p>
         </p:txBody>
       </p:sp>
@@ -4341,7 +4342,6 @@
               <a:rPr lang="en-US" altLang="ko-KR" dirty="0" smtClean="0"/>
               <a:t>2 -&gt; 3 -&gt; EC2</a:t>
             </a:r>
-            <a:endParaRPr lang="en-US" altLang="ko-KR" dirty="0" smtClean="0"/>
           </a:p>
         </p:txBody>
       </p:sp>
@@ -4784,13 +4784,8 @@
             </a:r>
             <a:r>
               <a:rPr lang="en-US" altLang="ko-KR" dirty="0" smtClean="0"/>
-              <a:t>)</a:t>
-            </a:r>
-            <a:r>
-              <a:rPr lang="en-US" altLang="ko-KR" dirty="0" smtClean="0"/>
-              <a:t> </a:t>
-            </a:r>
-            <a:endParaRPr lang="en-US" altLang="ko-KR" dirty="0" smtClean="0"/>
+              <a:t>) </a:t>
+            </a:r>
           </a:p>
         </p:txBody>
       </p:sp>
@@ -4871,7 +4866,6 @@
               <a:rPr lang="en-US" altLang="ko-KR" dirty="0" smtClean="0"/>
               <a:t>EC2 :</a:t>
             </a:r>
-            <a:endParaRPr lang="en-US" altLang="ko-KR" dirty="0" smtClean="0"/>
           </a:p>
         </p:txBody>
       </p:sp>
@@ -5277,7 +5271,7 @@
         <p:spPr>
           <a:xfrm>
             <a:off x="9967935" y="1309593"/>
-            <a:ext cx="1980385" cy="699247"/>
+            <a:ext cx="2631738" cy="699247"/>
           </a:xfrm>
           <a:prstGeom prst="rect">
             <a:avLst/>
@@ -5306,8 +5300,21 @@
             <a:pPr algn="ctr"/>
             <a:r>
               <a:rPr lang="en-US" altLang="ko-KR" dirty="0" smtClean="0"/>
-              <a:t>S3</a:t>
-            </a:r>
+              <a:t>S3 : </a:t>
+            </a:r>
+            <a:r>
+              <a:rPr lang="en-US" altLang="ko-KR" dirty="0" err="1" smtClean="0"/>
+              <a:t>usb</a:t>
+            </a:r>
+            <a:r>
+              <a:rPr lang="en-US" altLang="ko-KR" dirty="0" smtClean="0"/>
+              <a:t> </a:t>
+            </a:r>
+            <a:r>
+              <a:rPr lang="ko-KR" altLang="en-US" dirty="0" err="1" smtClean="0"/>
+              <a:t>외장저장소</a:t>
+            </a:r>
+            <a:endParaRPr lang="en-US" altLang="ko-KR" dirty="0" smtClean="0"/>
           </a:p>
         </p:txBody>
       </p:sp>
@@ -5875,8 +5882,8 @@
         </p:nvCxnSpPr>
         <p:spPr>
           <a:xfrm flipV="1">
-            <a:off x="9286414" y="1659217"/>
-            <a:ext cx="681521" cy="3096433"/>
+            <a:off x="9289061" y="1659217"/>
+            <a:ext cx="678874" cy="3057881"/>
           </a:xfrm>
           <a:prstGeom prst="bentConnector3">
             <a:avLst>
@@ -5917,8 +5924,8 @@
         </p:nvCxnSpPr>
         <p:spPr>
           <a:xfrm flipV="1">
-            <a:off x="9286414" y="1659217"/>
-            <a:ext cx="681521" cy="3096433"/>
+            <a:off x="9289061" y="1659217"/>
+            <a:ext cx="678874" cy="3057881"/>
           </a:xfrm>
           <a:prstGeom prst="bentConnector3">
             <a:avLst>
@@ -6216,24 +6223,61 @@
               <a:rPr lang="en-US" altLang="ko-KR" dirty="0" smtClean="0"/>
               <a:t>EC2</a:t>
             </a:r>
-            <a:endParaRPr lang="en-US" altLang="ko-KR" dirty="0" smtClean="0"/>
-          </a:p>
-        </p:txBody>
-      </p:sp>
-      <p:sp>
-        <p:nvSpPr>
-          <p:cNvPr id="46" name="직사각형 45"/>
+          </a:p>
+        </p:txBody>
+      </p:sp>
+      <p:sp>
+        <p:nvSpPr>
+          <p:cNvPr id="47" name="직사각형 46"/>
           <p:cNvSpPr/>
           <p:nvPr/>
         </p:nvSpPr>
         <p:spPr>
           <a:xfrm>
-            <a:off x="7069077" y="2474451"/>
-            <a:ext cx="1980385" cy="575620"/>
+            <a:off x="5741652" y="1025791"/>
+            <a:ext cx="1784463" cy="369332"/>
           </a:xfrm>
           <a:prstGeom prst="rect">
             <a:avLst/>
           </a:prstGeom>
+        </p:spPr>
+        <p:txBody>
+          <a:bodyPr wrap="none">
+            <a:spAutoFit/>
+          </a:bodyPr>
+          <a:lstStyle/>
+          <a:p>
+            <a:r>
+              <a:rPr lang="ko-KR" altLang="en-US" dirty="0" smtClean="0"/>
+              <a:t>프록시 </a:t>
+            </a:r>
+            <a:r>
+              <a:rPr lang="en-US" altLang="ko-KR" dirty="0" smtClean="0"/>
+              <a:t>: </a:t>
+            </a:r>
+            <a:r>
+              <a:rPr lang="ko-KR" altLang="en-US" dirty="0" smtClean="0"/>
+              <a:t>대리인</a:t>
+            </a:r>
+            <a:endParaRPr lang="ko-KR" altLang="en-US" dirty="0"/>
+          </a:p>
+        </p:txBody>
+      </p:sp>
+      <p:sp>
+        <p:nvSpPr>
+          <p:cNvPr id="34" name="직사각형 33"/>
+          <p:cNvSpPr/>
+          <p:nvPr/>
+        </p:nvSpPr>
+        <p:spPr>
+          <a:xfrm>
+            <a:off x="9896218" y="1200405"/>
+            <a:ext cx="2328975" cy="3797011"/>
+          </a:xfrm>
+          <a:prstGeom prst="rect">
+            <a:avLst/>
+          </a:prstGeom>
+          <a:noFill/>
         </p:spPr>
         <p:style>
           <a:lnRef idx="2">
@@ -6256,87 +6300,6 @@
           <a:lstStyle/>
           <a:p>
             <a:pPr algn="ctr"/>
-            <a:r>
-              <a:rPr lang="en-US" altLang="ko-KR" dirty="0" smtClean="0"/>
-              <a:t>EC2</a:t>
-            </a:r>
-          </a:p>
-        </p:txBody>
-      </p:sp>
-      <p:sp>
-        <p:nvSpPr>
-          <p:cNvPr id="47" name="직사각형 46"/>
-          <p:cNvSpPr/>
-          <p:nvPr/>
-        </p:nvSpPr>
-        <p:spPr>
-          <a:xfrm>
-            <a:off x="5741652" y="1025791"/>
-            <a:ext cx="1784463" cy="369332"/>
-          </a:xfrm>
-          <a:prstGeom prst="rect">
-            <a:avLst/>
-          </a:prstGeom>
-        </p:spPr>
-        <p:txBody>
-          <a:bodyPr wrap="none">
-            <a:spAutoFit/>
-          </a:bodyPr>
-          <a:lstStyle/>
-          <a:p>
-            <a:r>
-              <a:rPr lang="ko-KR" altLang="en-US" dirty="0" smtClean="0"/>
-              <a:t>프록시 </a:t>
-            </a:r>
-            <a:r>
-              <a:rPr lang="en-US" altLang="ko-KR" dirty="0" smtClean="0"/>
-              <a:t>: </a:t>
-            </a:r>
-            <a:r>
-              <a:rPr lang="ko-KR" altLang="en-US" dirty="0" smtClean="0"/>
-              <a:t>대리인</a:t>
-            </a:r>
-            <a:endParaRPr lang="ko-KR" altLang="en-US" dirty="0"/>
-          </a:p>
-        </p:txBody>
-      </p:sp>
-      <p:sp>
-        <p:nvSpPr>
-          <p:cNvPr id="34" name="직사각형 33"/>
-          <p:cNvSpPr/>
-          <p:nvPr/>
-        </p:nvSpPr>
-        <p:spPr>
-          <a:xfrm>
-            <a:off x="9896218" y="1200405"/>
-            <a:ext cx="2328975" cy="3797011"/>
-          </a:xfrm>
-          <a:prstGeom prst="rect">
-            <a:avLst/>
-          </a:prstGeom>
-          <a:noFill/>
-        </p:spPr>
-        <p:style>
-          <a:lnRef idx="2">
-            <a:schemeClr val="accent1">
-              <a:shade val="50000"/>
-            </a:schemeClr>
-          </a:lnRef>
-          <a:fillRef idx="1">
-            <a:schemeClr val="accent1"/>
-          </a:fillRef>
-          <a:effectRef idx="0">
-            <a:schemeClr val="accent1"/>
-          </a:effectRef>
-          <a:fontRef idx="minor">
-            <a:schemeClr val="lt1"/>
-          </a:fontRef>
-        </p:style>
-        <p:txBody>
-          <a:bodyPr rtlCol="0" anchor="ctr"/>
-          <a:lstStyle/>
-          <a:p>
-            <a:pPr algn="ctr"/>
             <a:endParaRPr lang="ko-KR" altLang="en-US"/>
           </a:p>
         </p:txBody>
@@ -6369,11 +6332,7 @@
             </a:r>
             <a:r>
               <a:rPr lang="ko-KR" altLang="en-US" dirty="0" smtClean="0"/>
-              <a:t> </a:t>
-            </a:r>
-            <a:r>
-              <a:rPr lang="ko-KR" altLang="en-US" dirty="0" smtClean="0"/>
-              <a:t>영역</a:t>
+              <a:t> 영역</a:t>
             </a:r>
             <a:endParaRPr lang="en-US" altLang="ko-KR" dirty="0" smtClean="0"/>
           </a:p>
@@ -6432,12 +6391,15 @@
         </p:nvSpPr>
         <p:spPr>
           <a:xfrm>
-            <a:off x="5315256" y="713916"/>
-            <a:ext cx="1872809" cy="718807"/>
+            <a:off x="142005" y="1117627"/>
+            <a:ext cx="1584308" cy="699247"/>
           </a:xfrm>
           <a:prstGeom prst="rect">
             <a:avLst/>
           </a:prstGeom>
+          <a:solidFill>
+            <a:schemeClr val="accent3"/>
+          </a:solidFill>
         </p:spPr>
         <p:style>
           <a:lnRef idx="2">
@@ -6461,12 +6423,8 @@
           <a:p>
             <a:pPr algn="ctr"/>
             <a:r>
-              <a:rPr lang="ko-KR" altLang="en-US" dirty="0" err="1" smtClean="0"/>
-              <a:t>인테넷망</a:t>
-            </a:r>
-            <a:r>
               <a:rPr lang="ko-KR" altLang="en-US" dirty="0" smtClean="0"/>
-              <a:t> </a:t>
+              <a:t>브라우저</a:t>
             </a:r>
             <a:endParaRPr lang="ko-KR" altLang="en-US" dirty="0"/>
           </a:p>
@@ -6480,8 +6438,8 @@
         </p:nvSpPr>
         <p:spPr>
           <a:xfrm>
-            <a:off x="5349485" y="1751377"/>
-            <a:ext cx="1872809" cy="718807"/>
+            <a:off x="3797774" y="1117626"/>
+            <a:ext cx="1584308" cy="699247"/>
           </a:xfrm>
           <a:prstGeom prst="rect">
             <a:avLst/>
@@ -6509,10 +6467,10 @@
           <a:p>
             <a:pPr algn="ctr"/>
             <a:r>
-              <a:rPr lang="en-US" altLang="ko-KR" dirty="0" smtClean="0"/>
-              <a:t>SK/KT/LG</a:t>
-            </a:r>
-            <a:endParaRPr lang="ko-KR" altLang="en-US" dirty="0"/>
+              <a:rPr lang="ko-KR" altLang="en-US" dirty="0" err="1" smtClean="0"/>
+              <a:t>로드밸런서</a:t>
+            </a:r>
+            <a:endParaRPr lang="en-US" altLang="ko-KR" dirty="0" smtClean="0"/>
           </a:p>
         </p:txBody>
       </p:sp>
@@ -6524,12 +6482,18 @@
         </p:nvSpPr>
         <p:spPr>
           <a:xfrm>
-            <a:off x="4708915" y="2574090"/>
-            <a:ext cx="5633095" cy="880986"/>
+            <a:off x="2213466" y="2514939"/>
+            <a:ext cx="1642986" cy="699247"/>
           </a:xfrm>
           <a:prstGeom prst="rect">
             <a:avLst/>
           </a:prstGeom>
+          <a:solidFill>
+            <a:schemeClr val="accent1">
+              <a:lumMod val="40000"/>
+              <a:lumOff val="60000"/>
+            </a:schemeClr>
+          </a:solidFill>
         </p:spPr>
         <p:style>
           <a:lnRef idx="2">
@@ -6553,53 +6517,18 @@
           <a:p>
             <a:pPr algn="ctr"/>
             <a:r>
-              <a:rPr lang="ko-KR" altLang="en-US" dirty="0" smtClean="0"/>
-              <a:t>아파트 동 </a:t>
-            </a:r>
-            <a:r>
               <a:rPr lang="en-US" altLang="ko-KR" dirty="0" smtClean="0"/>
-              <a:t>/ </a:t>
-            </a:r>
-            <a:r>
-              <a:rPr lang="ko-KR" altLang="en-US" dirty="0" smtClean="0"/>
-              <a:t>라우터</a:t>
-            </a:r>
-            <a:r>
-              <a:rPr lang="en-US" altLang="ko-KR" dirty="0" smtClean="0"/>
-              <a:t> (</a:t>
-            </a:r>
-            <a:r>
-              <a:rPr lang="ko-KR" altLang="en-US" dirty="0" err="1" smtClean="0"/>
-              <a:t>공인아이피</a:t>
+              <a:t>Interface</a:t>
             </a:r>
             <a:r>
               <a:rPr lang="ko-KR" altLang="en-US" dirty="0" smtClean="0"/>
               <a:t> </a:t>
             </a:r>
             <a:r>
-              <a:rPr lang="en-US" altLang="ko-KR" dirty="0" smtClean="0"/>
-              <a:t>: 182.227.222.10)</a:t>
-            </a:r>
-          </a:p>
-          <a:p>
-            <a:pPr algn="ctr"/>
-            <a:r>
-              <a:rPr lang="ko-KR" altLang="en-US" dirty="0" err="1" smtClean="0"/>
-              <a:t>사설아이피</a:t>
-            </a:r>
-            <a:r>
-              <a:rPr lang="en-US" altLang="ko-KR" dirty="0" smtClean="0"/>
-              <a:t>(192.168.0.0~192.168.0.255 / 192.168.0.0/24) </a:t>
-            </a:r>
-            <a:r>
-              <a:rPr lang="ko-KR" altLang="en-US" dirty="0" smtClean="0"/>
-              <a:t>동적</a:t>
-            </a:r>
-            <a:r>
-              <a:rPr lang="en-US" altLang="ko-KR" dirty="0" smtClean="0"/>
-              <a:t>(DHCP)</a:t>
-            </a:r>
-            <a:endParaRPr lang="ko-KR" altLang="en-US" dirty="0"/>
+              <a:rPr lang="en-US" altLang="ko-KR" i="1" dirty="0" err="1" smtClean="0"/>
+              <a:t>Gageway</a:t>
+            </a:r>
+            <a:endParaRPr lang="en-US" altLang="ko-KR" i="1" dirty="0" smtClean="0"/>
           </a:p>
         </p:txBody>
       </p:sp>
@@ -6611,12 +6540,18 @@
         </p:nvSpPr>
         <p:spPr>
           <a:xfrm>
-            <a:off x="4993342" y="3626629"/>
-            <a:ext cx="3045554" cy="1439245"/>
+            <a:off x="2213466" y="3817334"/>
+            <a:ext cx="1584308" cy="699247"/>
           </a:xfrm>
           <a:prstGeom prst="rect">
             <a:avLst/>
           </a:prstGeom>
+          <a:solidFill>
+            <a:schemeClr val="accent1">
+              <a:lumMod val="40000"/>
+              <a:lumOff val="60000"/>
+            </a:schemeClr>
+          </a:solidFill>
         </p:spPr>
         <p:style>
           <a:lnRef idx="2">
@@ -6640,76 +6575,9 @@
           <a:p>
             <a:pPr algn="ctr"/>
             <a:r>
-              <a:rPr lang="ko-KR" altLang="en-US" dirty="0" smtClean="0"/>
-              <a:t>집</a:t>
-            </a:r>
-            <a:r>
               <a:rPr lang="en-US" altLang="ko-KR" dirty="0" smtClean="0"/>
-              <a:t>(</a:t>
-            </a:r>
-            <a:r>
-              <a:rPr lang="ko-KR" altLang="en-US" dirty="0" smtClean="0"/>
-              <a:t>스위치</a:t>
-            </a:r>
-            <a:r>
-              <a:rPr lang="en-US" altLang="ko-KR" dirty="0" smtClean="0"/>
-              <a:t>/hub)</a:t>
-            </a:r>
-          </a:p>
-          <a:p>
-            <a:pPr algn="ctr"/>
-            <a:r>
-              <a:rPr lang="ko-KR" altLang="en-US" dirty="0" err="1" smtClean="0"/>
-              <a:t>사설아이피</a:t>
-            </a:r>
-            <a:r>
-              <a:rPr lang="en-US" altLang="ko-KR" dirty="0" smtClean="0"/>
-              <a:t>(192.168.0.3)</a:t>
-            </a:r>
-          </a:p>
-          <a:p>
-            <a:pPr algn="ctr"/>
-            <a:r>
-              <a:rPr lang="ko-KR" altLang="en-US" dirty="0" err="1"/>
-              <a:t>사설아이피</a:t>
-            </a:r>
-            <a:r>
-              <a:rPr lang="en-US" altLang="ko-KR" dirty="0"/>
-              <a:t>(</a:t>
-            </a:r>
-            <a:r>
-              <a:rPr lang="en-US" altLang="ko-KR" dirty="0" smtClean="0"/>
-              <a:t>192.168.1.0~255)</a:t>
-            </a:r>
-            <a:endParaRPr lang="en-US" altLang="ko-KR" dirty="0"/>
-          </a:p>
-          <a:p>
-            <a:pPr algn="ctr"/>
-            <a:r>
-              <a:rPr lang="en-US" altLang="ko-KR" dirty="0" smtClean="0"/>
-              <a:t>(</a:t>
-            </a:r>
-            <a:r>
-              <a:rPr lang="ko-KR" altLang="en-US" dirty="0"/>
-              <a:t>발급</a:t>
-            </a:r>
-            <a:r>
-              <a:rPr lang="en-US" altLang="ko-KR" dirty="0"/>
-              <a:t>) </a:t>
-            </a:r>
-            <a:r>
-              <a:rPr lang="ko-KR" altLang="en-US" dirty="0"/>
-              <a:t>동적</a:t>
-            </a:r>
-            <a:r>
-              <a:rPr lang="en-US" altLang="ko-KR" dirty="0"/>
-              <a:t>(DHCP</a:t>
-            </a:r>
-            <a:r>
-              <a:rPr lang="en-US" altLang="ko-KR" dirty="0" smtClean="0"/>
-              <a:t>)</a:t>
-            </a:r>
-            <a:endParaRPr lang="ko-KR" altLang="en-US" dirty="0"/>
+              <a:t>Route</a:t>
+            </a:r>
           </a:p>
         </p:txBody>
       </p:sp>
@@ -6721,12 +6589,18 @@
         </p:nvSpPr>
         <p:spPr>
           <a:xfrm>
-            <a:off x="1439243" y="3626630"/>
-            <a:ext cx="2889895" cy="718807"/>
+            <a:off x="4379667" y="3016805"/>
+            <a:ext cx="1897257" cy="569963"/>
           </a:xfrm>
           <a:prstGeom prst="rect">
             <a:avLst/>
           </a:prstGeom>
+          <a:solidFill>
+            <a:schemeClr val="accent1">
+              <a:lumMod val="40000"/>
+              <a:lumOff val="60000"/>
+            </a:schemeClr>
+          </a:solidFill>
         </p:spPr>
         <p:style>
           <a:lnRef idx="2">
@@ -6750,37 +6624,21 @@
           <a:p>
             <a:pPr algn="ctr"/>
             <a:r>
+              <a:rPr lang="ko-KR" altLang="en-US" dirty="0" err="1" smtClean="0"/>
+              <a:t>퍼블릭</a:t>
+            </a:r>
+            <a:r>
               <a:rPr lang="ko-KR" altLang="en-US" dirty="0" smtClean="0"/>
-              <a:t>집</a:t>
+              <a:t> </a:t>
+            </a:r>
+            <a:r>
+              <a:rPr lang="ko-KR" altLang="en-US" dirty="0" err="1" smtClean="0"/>
+              <a:t>서브넷</a:t>
             </a:r>
             <a:r>
               <a:rPr lang="en-US" altLang="ko-KR" dirty="0" smtClean="0"/>
-              <a:t>(</a:t>
-            </a:r>
-            <a:r>
-              <a:rPr lang="ko-KR" altLang="en-US" dirty="0" smtClean="0"/>
-              <a:t>스위치</a:t>
-            </a:r>
-            <a:r>
-              <a:rPr lang="en-US" altLang="ko-KR" dirty="0" smtClean="0"/>
-              <a:t>)</a:t>
-            </a:r>
-          </a:p>
-          <a:p>
-            <a:pPr algn="ctr"/>
-            <a:r>
-              <a:rPr lang="ko-KR" altLang="en-US" dirty="0" err="1"/>
-              <a:t>사설아이피</a:t>
-            </a:r>
-            <a:r>
-              <a:rPr lang="en-US" altLang="ko-KR" dirty="0"/>
-              <a:t>(</a:t>
-            </a:r>
-            <a:r>
-              <a:rPr lang="en-US" altLang="ko-KR" dirty="0" smtClean="0"/>
-              <a:t>192.168.0.2)</a:t>
-            </a:r>
-            <a:endParaRPr lang="ko-KR" altLang="en-US" dirty="0"/>
+              <a:t>1</a:t>
+            </a:r>
           </a:p>
         </p:txBody>
       </p:sp>
@@ -6792,12 +6650,18 @@
         </p:nvSpPr>
         <p:spPr>
           <a:xfrm>
-            <a:off x="8547441" y="3626629"/>
-            <a:ext cx="2889895" cy="718807"/>
+            <a:off x="4379667" y="4917615"/>
+            <a:ext cx="1907035" cy="699247"/>
           </a:xfrm>
           <a:prstGeom prst="rect">
             <a:avLst/>
           </a:prstGeom>
+          <a:solidFill>
+            <a:schemeClr val="accent1">
+              <a:lumMod val="40000"/>
+              <a:lumOff val="60000"/>
+            </a:schemeClr>
+          </a:solidFill>
         </p:spPr>
         <p:style>
           <a:lnRef idx="2">
@@ -6821,55 +6685,34 @@
           <a:p>
             <a:pPr algn="ctr"/>
             <a:r>
+              <a:rPr lang="ko-KR" altLang="en-US" dirty="0" err="1" smtClean="0"/>
+              <a:t>퍼블릭</a:t>
+            </a:r>
+            <a:r>
               <a:rPr lang="ko-KR" altLang="en-US" dirty="0" smtClean="0"/>
-              <a:t>집</a:t>
+              <a:t> </a:t>
+            </a:r>
+            <a:r>
+              <a:rPr lang="ko-KR" altLang="en-US" dirty="0" err="1" smtClean="0"/>
+              <a:t>서브넷</a:t>
             </a:r>
             <a:r>
               <a:rPr lang="en-US" altLang="ko-KR" dirty="0" smtClean="0"/>
-              <a:t>(</a:t>
-            </a:r>
-            <a:r>
-              <a:rPr lang="ko-KR" altLang="en-US" dirty="0" smtClean="0"/>
-              <a:t>스위치</a:t>
-            </a:r>
-            <a:r>
-              <a:rPr lang="en-US" altLang="ko-KR" dirty="0" smtClean="0"/>
-              <a:t>)</a:t>
-            </a:r>
-            <a:r>
-              <a:rPr lang="ko-KR" altLang="en-US" dirty="0"/>
-              <a:t> </a:t>
-            </a:r>
-            <a:endParaRPr lang="en-US" altLang="ko-KR" dirty="0" smtClean="0"/>
-          </a:p>
-          <a:p>
-            <a:pPr algn="ctr"/>
-            <a:r>
-              <a:rPr lang="ko-KR" altLang="en-US" dirty="0" err="1" smtClean="0"/>
-              <a:t>사설아이피</a:t>
-            </a:r>
-            <a:r>
-              <a:rPr lang="en-US" altLang="ko-KR" dirty="0"/>
-              <a:t>(</a:t>
-            </a:r>
-            <a:r>
-              <a:rPr lang="en-US" altLang="ko-KR" dirty="0" smtClean="0"/>
-              <a:t>192.168.0.4)</a:t>
-            </a:r>
-            <a:endParaRPr lang="ko-KR" altLang="en-US" dirty="0"/>
-          </a:p>
-        </p:txBody>
-      </p:sp>
-      <p:sp>
-        <p:nvSpPr>
-          <p:cNvPr id="10" name="직사각형 9"/>
+              <a:t>2</a:t>
+            </a:r>
+          </a:p>
+        </p:txBody>
+      </p:sp>
+      <p:sp>
+        <p:nvSpPr>
+          <p:cNvPr id="11" name="직사각형 10"/>
           <p:cNvSpPr/>
           <p:nvPr/>
         </p:nvSpPr>
         <p:spPr>
           <a:xfrm>
-            <a:off x="3361765" y="5610273"/>
-            <a:ext cx="2889895" cy="718807"/>
+            <a:off x="7308676" y="4367474"/>
+            <a:ext cx="1980385" cy="699247"/>
           </a:xfrm>
           <a:prstGeom prst="rect">
             <a:avLst/>
@@ -6898,22 +6741,21 @@
             <a:pPr algn="ctr"/>
             <a:r>
               <a:rPr lang="en-US" altLang="ko-KR" dirty="0" smtClean="0"/>
-              <a:t>PC(192.168.1.3)</a:t>
-            </a:r>
-            <a:endParaRPr lang="ko-KR" altLang="en-US" dirty="0"/>
-          </a:p>
-        </p:txBody>
-      </p:sp>
-      <p:sp>
-        <p:nvSpPr>
-          <p:cNvPr id="11" name="직사각형 10"/>
+              <a:t>EC2</a:t>
+            </a:r>
+          </a:p>
+        </p:txBody>
+      </p:sp>
+      <p:sp>
+        <p:nvSpPr>
+          <p:cNvPr id="12" name="직사각형 11"/>
           <p:cNvSpPr/>
           <p:nvPr/>
         </p:nvSpPr>
         <p:spPr>
           <a:xfrm>
-            <a:off x="6887339" y="5610273"/>
-            <a:ext cx="2889895" cy="718807"/>
+            <a:off x="9967935" y="1309593"/>
+            <a:ext cx="2631738" cy="699247"/>
           </a:xfrm>
           <a:prstGeom prst="rect">
             <a:avLst/>
@@ -6941,31 +6783,35 @@
           <a:p>
             <a:pPr algn="ctr"/>
             <a:r>
-              <a:rPr lang="ko-KR" altLang="en-US" dirty="0" smtClean="0"/>
-              <a:t>노트북</a:t>
-            </a:r>
-            <a:r>
-              <a:rPr lang="en-US" altLang="ko-KR" dirty="0"/>
-              <a:t>(</a:t>
-            </a:r>
-            <a:r>
               <a:rPr lang="en-US" altLang="ko-KR" dirty="0" smtClean="0"/>
-              <a:t>192.168.1.4)</a:t>
-            </a:r>
-            <a:endParaRPr lang="ko-KR" altLang="en-US" dirty="0"/>
-          </a:p>
-        </p:txBody>
-      </p:sp>
-      <p:sp>
-        <p:nvSpPr>
-          <p:cNvPr id="12" name="직사각형 11"/>
+              <a:t>S3 : </a:t>
+            </a:r>
+            <a:r>
+              <a:rPr lang="en-US" altLang="ko-KR" dirty="0" err="1" smtClean="0"/>
+              <a:t>usb</a:t>
+            </a:r>
+            <a:r>
+              <a:rPr lang="en-US" altLang="ko-KR" dirty="0" smtClean="0"/>
+              <a:t> </a:t>
+            </a:r>
+            <a:r>
+              <a:rPr lang="ko-KR" altLang="en-US" dirty="0" err="1" smtClean="0"/>
+              <a:t>외장저장소</a:t>
+            </a:r>
+            <a:endParaRPr lang="en-US" altLang="ko-KR" dirty="0" smtClean="0"/>
+          </a:p>
+        </p:txBody>
+      </p:sp>
+      <p:sp>
+        <p:nvSpPr>
+          <p:cNvPr id="13" name="직사각형 12"/>
           <p:cNvSpPr/>
           <p:nvPr/>
         </p:nvSpPr>
         <p:spPr>
           <a:xfrm>
-            <a:off x="10051881" y="5610273"/>
-            <a:ext cx="2889895" cy="718807"/>
+            <a:off x="9967934" y="2483148"/>
+            <a:ext cx="1980385" cy="699247"/>
           </a:xfrm>
           <a:prstGeom prst="rect">
             <a:avLst/>
@@ -6993,6 +6839,1691 @@
           <a:p>
             <a:pPr algn="ctr"/>
             <a:r>
+              <a:rPr lang="en-US" altLang="ko-KR" dirty="0" err="1" smtClean="0"/>
+              <a:t>DynamoDB</a:t>
+            </a:r>
+            <a:endParaRPr lang="en-US" altLang="ko-KR" dirty="0" smtClean="0"/>
+          </a:p>
+        </p:txBody>
+      </p:sp>
+      <p:sp>
+        <p:nvSpPr>
+          <p:cNvPr id="15" name="직사각형 14"/>
+          <p:cNvSpPr/>
+          <p:nvPr/>
+        </p:nvSpPr>
+        <p:spPr>
+          <a:xfrm>
+            <a:off x="2011355" y="992638"/>
+            <a:ext cx="4622528" cy="5085434"/>
+          </a:xfrm>
+          <a:prstGeom prst="rect">
+            <a:avLst/>
+          </a:prstGeom>
+          <a:noFill/>
+        </p:spPr>
+        <p:style>
+          <a:lnRef idx="2">
+            <a:schemeClr val="accent1">
+              <a:shade val="50000"/>
+            </a:schemeClr>
+          </a:lnRef>
+          <a:fillRef idx="1">
+            <a:schemeClr val="accent1"/>
+          </a:fillRef>
+          <a:effectRef idx="0">
+            <a:schemeClr val="accent1"/>
+          </a:effectRef>
+          <a:fontRef idx="minor">
+            <a:schemeClr val="lt1"/>
+          </a:fontRef>
+        </p:style>
+        <p:txBody>
+          <a:bodyPr rtlCol="0" anchor="ctr"/>
+          <a:lstStyle/>
+          <a:p>
+            <a:pPr algn="ctr"/>
+            <a:endParaRPr lang="ko-KR" altLang="en-US"/>
+          </a:p>
+        </p:txBody>
+      </p:sp>
+      <p:sp>
+        <p:nvSpPr>
+          <p:cNvPr id="17" name="TextBox 16"/>
+          <p:cNvSpPr txBox="1"/>
+          <p:nvPr/>
+        </p:nvSpPr>
+        <p:spPr>
+          <a:xfrm>
+            <a:off x="3915131" y="5708739"/>
+            <a:ext cx="1178451" cy="369332"/>
+          </a:xfrm>
+          <a:prstGeom prst="rect">
+            <a:avLst/>
+          </a:prstGeom>
+          <a:noFill/>
+        </p:spPr>
+        <p:txBody>
+          <a:bodyPr wrap="square" rtlCol="0">
+            <a:spAutoFit/>
+          </a:bodyPr>
+          <a:lstStyle/>
+          <a:p>
+            <a:r>
+              <a:rPr lang="en-US" altLang="ko-KR" dirty="0" smtClean="0"/>
+              <a:t>VPC </a:t>
+            </a:r>
+            <a:r>
+              <a:rPr lang="ko-KR" altLang="en-US" dirty="0" smtClean="0"/>
+              <a:t>영역</a:t>
+            </a:r>
+            <a:endParaRPr lang="ko-KR" altLang="en-US" dirty="0"/>
+          </a:p>
+        </p:txBody>
+      </p:sp>
+      <p:cxnSp>
+        <p:nvCxnSpPr>
+          <p:cNvPr id="19" name="꺾인 연결선 18"/>
+          <p:cNvCxnSpPr>
+            <a:stCxn id="5" idx="3"/>
+            <a:endCxn id="11" idx="0"/>
+          </p:cNvCxnSpPr>
+          <p:nvPr/>
+        </p:nvCxnSpPr>
+        <p:spPr>
+          <a:xfrm>
+            <a:off x="5382082" y="1467250"/>
+            <a:ext cx="2914140" cy="2938776"/>
+          </a:xfrm>
+          <a:prstGeom prst="bentConnector2">
+            <a:avLst/>
+          </a:prstGeom>
+          <a:ln w="57150">
+            <a:solidFill>
+              <a:schemeClr val="accent2"/>
+            </a:solidFill>
+            <a:headEnd type="triangle"/>
+            <a:tailEnd type="triangle"/>
+          </a:ln>
+        </p:spPr>
+        <p:style>
+          <a:lnRef idx="1">
+            <a:schemeClr val="accent1"/>
+          </a:lnRef>
+          <a:fillRef idx="0">
+            <a:schemeClr val="accent1"/>
+          </a:fillRef>
+          <a:effectRef idx="0">
+            <a:schemeClr val="accent1"/>
+          </a:effectRef>
+          <a:fontRef idx="minor">
+            <a:schemeClr val="tx1"/>
+          </a:fontRef>
+        </p:style>
+      </p:cxnSp>
+      <p:cxnSp>
+        <p:nvCxnSpPr>
+          <p:cNvPr id="20" name="꺾인 연결선 19"/>
+          <p:cNvCxnSpPr>
+            <a:stCxn id="5" idx="3"/>
+            <a:endCxn id="10" idx="0"/>
+          </p:cNvCxnSpPr>
+          <p:nvPr/>
+        </p:nvCxnSpPr>
+        <p:spPr>
+          <a:xfrm>
+            <a:off x="5382082" y="1467250"/>
+            <a:ext cx="2688801" cy="217547"/>
+          </a:xfrm>
+          <a:prstGeom prst="bentConnector2">
+            <a:avLst/>
+          </a:prstGeom>
+          <a:ln w="57150">
+            <a:solidFill>
+              <a:schemeClr val="accent2"/>
+            </a:solidFill>
+            <a:headEnd type="triangle"/>
+            <a:tailEnd type="triangle"/>
+          </a:ln>
+        </p:spPr>
+        <p:style>
+          <a:lnRef idx="1">
+            <a:schemeClr val="accent1"/>
+          </a:lnRef>
+          <a:fillRef idx="0">
+            <a:schemeClr val="accent1"/>
+          </a:fillRef>
+          <a:effectRef idx="0">
+            <a:schemeClr val="accent1"/>
+          </a:effectRef>
+          <a:fontRef idx="minor">
+            <a:schemeClr val="tx1"/>
+          </a:fontRef>
+        </p:style>
+      </p:cxnSp>
+      <p:cxnSp>
+        <p:nvCxnSpPr>
+          <p:cNvPr id="26" name="꺾인 연결선 25"/>
+          <p:cNvCxnSpPr>
+            <a:stCxn id="8" idx="3"/>
+            <a:endCxn id="10" idx="1"/>
+          </p:cNvCxnSpPr>
+          <p:nvPr/>
+        </p:nvCxnSpPr>
+        <p:spPr>
+          <a:xfrm flipV="1">
+            <a:off x="6276924" y="1972607"/>
+            <a:ext cx="803766" cy="1393821"/>
+          </a:xfrm>
+          <a:prstGeom prst="bentConnector3">
+            <a:avLst>
+              <a:gd name="adj1" fmla="val 50000"/>
+            </a:avLst>
+          </a:prstGeom>
+          <a:ln w="57150">
+            <a:solidFill>
+              <a:schemeClr val="accent2">
+                <a:lumMod val="40000"/>
+                <a:lumOff val="60000"/>
+              </a:schemeClr>
+            </a:solidFill>
+            <a:headEnd type="triangle"/>
+            <a:tailEnd type="triangle"/>
+          </a:ln>
+        </p:spPr>
+        <p:style>
+          <a:lnRef idx="1">
+            <a:schemeClr val="accent1"/>
+          </a:lnRef>
+          <a:fillRef idx="0">
+            <a:schemeClr val="accent1"/>
+          </a:fillRef>
+          <a:effectRef idx="0">
+            <a:schemeClr val="accent1"/>
+          </a:effectRef>
+          <a:fontRef idx="minor">
+            <a:schemeClr val="tx1"/>
+          </a:fontRef>
+        </p:style>
+      </p:cxnSp>
+      <p:cxnSp>
+        <p:nvCxnSpPr>
+          <p:cNvPr id="29" name="꺾인 연결선 28"/>
+          <p:cNvCxnSpPr>
+            <a:stCxn id="9" idx="3"/>
+            <a:endCxn id="11" idx="1"/>
+          </p:cNvCxnSpPr>
+          <p:nvPr/>
+        </p:nvCxnSpPr>
+        <p:spPr>
+          <a:xfrm flipV="1">
+            <a:off x="6286702" y="4755650"/>
+            <a:ext cx="1019327" cy="511589"/>
+          </a:xfrm>
+          <a:prstGeom prst="bentConnector3">
+            <a:avLst>
+              <a:gd name="adj1" fmla="val 50000"/>
+            </a:avLst>
+          </a:prstGeom>
+          <a:ln w="57150">
+            <a:solidFill>
+              <a:schemeClr val="accent2">
+                <a:lumMod val="40000"/>
+                <a:lumOff val="60000"/>
+              </a:schemeClr>
+            </a:solidFill>
+            <a:headEnd type="triangle"/>
+            <a:tailEnd type="triangle"/>
+          </a:ln>
+        </p:spPr>
+        <p:style>
+          <a:lnRef idx="1">
+            <a:schemeClr val="accent1"/>
+          </a:lnRef>
+          <a:fillRef idx="0">
+            <a:schemeClr val="accent1"/>
+          </a:fillRef>
+          <a:effectRef idx="0">
+            <a:schemeClr val="accent1"/>
+          </a:effectRef>
+          <a:fontRef idx="minor">
+            <a:schemeClr val="tx1"/>
+          </a:fontRef>
+        </p:style>
+      </p:cxnSp>
+      <p:cxnSp>
+        <p:nvCxnSpPr>
+          <p:cNvPr id="36" name="꺾인 연결선 35"/>
+          <p:cNvCxnSpPr>
+            <a:stCxn id="5" idx="2"/>
+            <a:endCxn id="6" idx="0"/>
+          </p:cNvCxnSpPr>
+          <p:nvPr/>
+        </p:nvCxnSpPr>
+        <p:spPr>
+          <a:xfrm rot="5400000">
+            <a:off x="3463411" y="1388422"/>
+            <a:ext cx="698066" cy="1554969"/>
+          </a:xfrm>
+          <a:prstGeom prst="bentConnector3">
+            <a:avLst>
+              <a:gd name="adj1" fmla="val 50000"/>
+            </a:avLst>
+          </a:prstGeom>
+          <a:ln w="57150">
+            <a:solidFill>
+              <a:schemeClr val="accent2">
+                <a:lumMod val="40000"/>
+                <a:lumOff val="60000"/>
+              </a:schemeClr>
+            </a:solidFill>
+            <a:headEnd type="triangle"/>
+            <a:tailEnd type="triangle"/>
+          </a:ln>
+        </p:spPr>
+        <p:style>
+          <a:lnRef idx="1">
+            <a:schemeClr val="accent1"/>
+          </a:lnRef>
+          <a:fillRef idx="0">
+            <a:schemeClr val="accent1"/>
+          </a:fillRef>
+          <a:effectRef idx="0">
+            <a:schemeClr val="accent1"/>
+          </a:effectRef>
+          <a:fontRef idx="minor">
+            <a:schemeClr val="tx1"/>
+          </a:fontRef>
+        </p:style>
+      </p:cxnSp>
+      <p:cxnSp>
+        <p:nvCxnSpPr>
+          <p:cNvPr id="39" name="꺾인 연결선 38"/>
+          <p:cNvCxnSpPr>
+            <a:stCxn id="6" idx="2"/>
+            <a:endCxn id="7" idx="0"/>
+          </p:cNvCxnSpPr>
+          <p:nvPr/>
+        </p:nvCxnSpPr>
+        <p:spPr>
+          <a:xfrm rot="5400000">
+            <a:off x="2718716" y="3501091"/>
+            <a:ext cx="603148" cy="29339"/>
+          </a:xfrm>
+          <a:prstGeom prst="bentConnector3">
+            <a:avLst>
+              <a:gd name="adj1" fmla="val 50000"/>
+            </a:avLst>
+          </a:prstGeom>
+          <a:ln w="57150">
+            <a:solidFill>
+              <a:schemeClr val="accent2">
+                <a:lumMod val="40000"/>
+                <a:lumOff val="60000"/>
+              </a:schemeClr>
+            </a:solidFill>
+            <a:headEnd type="triangle"/>
+            <a:tailEnd type="triangle"/>
+          </a:ln>
+        </p:spPr>
+        <p:style>
+          <a:lnRef idx="1">
+            <a:schemeClr val="accent1"/>
+          </a:lnRef>
+          <a:fillRef idx="0">
+            <a:schemeClr val="accent1"/>
+          </a:fillRef>
+          <a:effectRef idx="0">
+            <a:schemeClr val="accent1"/>
+          </a:effectRef>
+          <a:fontRef idx="minor">
+            <a:schemeClr val="tx1"/>
+          </a:fontRef>
+        </p:style>
+      </p:cxnSp>
+      <p:cxnSp>
+        <p:nvCxnSpPr>
+          <p:cNvPr id="42" name="꺾인 연결선 41"/>
+          <p:cNvCxnSpPr>
+            <a:stCxn id="7" idx="3"/>
+            <a:endCxn id="9" idx="1"/>
+          </p:cNvCxnSpPr>
+          <p:nvPr/>
+        </p:nvCxnSpPr>
+        <p:spPr>
+          <a:xfrm>
+            <a:off x="3797774" y="4166958"/>
+            <a:ext cx="581893" cy="1100281"/>
+          </a:xfrm>
+          <a:prstGeom prst="bentConnector3">
+            <a:avLst>
+              <a:gd name="adj1" fmla="val 50000"/>
+            </a:avLst>
+          </a:prstGeom>
+          <a:ln w="57150">
+            <a:solidFill>
+              <a:schemeClr val="accent2">
+                <a:lumMod val="40000"/>
+                <a:lumOff val="60000"/>
+              </a:schemeClr>
+            </a:solidFill>
+            <a:headEnd type="triangle"/>
+            <a:tailEnd type="triangle"/>
+          </a:ln>
+        </p:spPr>
+        <p:style>
+          <a:lnRef idx="1">
+            <a:schemeClr val="accent1"/>
+          </a:lnRef>
+          <a:fillRef idx="0">
+            <a:schemeClr val="accent1"/>
+          </a:fillRef>
+          <a:effectRef idx="0">
+            <a:schemeClr val="accent1"/>
+          </a:effectRef>
+          <a:fontRef idx="minor">
+            <a:schemeClr val="tx1"/>
+          </a:fontRef>
+        </p:style>
+      </p:cxnSp>
+      <p:cxnSp>
+        <p:nvCxnSpPr>
+          <p:cNvPr id="51" name="꺾인 연결선 50"/>
+          <p:cNvCxnSpPr>
+            <a:stCxn id="7" idx="3"/>
+            <a:endCxn id="8" idx="1"/>
+          </p:cNvCxnSpPr>
+          <p:nvPr/>
+        </p:nvCxnSpPr>
+        <p:spPr>
+          <a:xfrm flipV="1">
+            <a:off x="3797774" y="3366428"/>
+            <a:ext cx="581893" cy="800530"/>
+          </a:xfrm>
+          <a:prstGeom prst="bentConnector3">
+            <a:avLst>
+              <a:gd name="adj1" fmla="val 50000"/>
+            </a:avLst>
+          </a:prstGeom>
+          <a:ln w="57150">
+            <a:solidFill>
+              <a:schemeClr val="accent2">
+                <a:lumMod val="40000"/>
+                <a:lumOff val="60000"/>
+              </a:schemeClr>
+            </a:solidFill>
+            <a:headEnd type="triangle"/>
+            <a:tailEnd type="triangle"/>
+          </a:ln>
+        </p:spPr>
+        <p:style>
+          <a:lnRef idx="1">
+            <a:schemeClr val="accent1"/>
+          </a:lnRef>
+          <a:fillRef idx="0">
+            <a:schemeClr val="accent1"/>
+          </a:fillRef>
+          <a:effectRef idx="0">
+            <a:schemeClr val="accent1"/>
+          </a:effectRef>
+          <a:fontRef idx="minor">
+            <a:schemeClr val="tx1"/>
+          </a:fontRef>
+        </p:style>
+      </p:cxnSp>
+      <p:cxnSp>
+        <p:nvCxnSpPr>
+          <p:cNvPr id="64" name="꺾인 연결선 63"/>
+          <p:cNvCxnSpPr>
+            <a:stCxn id="5" idx="1"/>
+            <a:endCxn id="4" idx="3"/>
+          </p:cNvCxnSpPr>
+          <p:nvPr/>
+        </p:nvCxnSpPr>
+        <p:spPr>
+          <a:xfrm rot="10800000" flipV="1">
+            <a:off x="1726314" y="1467249"/>
+            <a:ext cx="2071461" cy="1"/>
+          </a:xfrm>
+          <a:prstGeom prst="bentConnector3">
+            <a:avLst>
+              <a:gd name="adj1" fmla="val 50000"/>
+            </a:avLst>
+          </a:prstGeom>
+          <a:ln w="57150">
+            <a:solidFill>
+              <a:schemeClr val="accent2"/>
+            </a:solidFill>
+            <a:headEnd type="triangle"/>
+            <a:tailEnd type="triangle"/>
+          </a:ln>
+        </p:spPr>
+        <p:style>
+          <a:lnRef idx="1">
+            <a:schemeClr val="accent1"/>
+          </a:lnRef>
+          <a:fillRef idx="0">
+            <a:schemeClr val="accent1"/>
+          </a:fillRef>
+          <a:effectRef idx="0">
+            <a:schemeClr val="accent1"/>
+          </a:effectRef>
+          <a:fontRef idx="minor">
+            <a:schemeClr val="tx1"/>
+          </a:fontRef>
+        </p:style>
+      </p:cxnSp>
+      <p:cxnSp>
+        <p:nvCxnSpPr>
+          <p:cNvPr id="88" name="꺾인 연결선 87"/>
+          <p:cNvCxnSpPr>
+            <a:stCxn id="10" idx="3"/>
+            <a:endCxn id="12" idx="1"/>
+          </p:cNvCxnSpPr>
+          <p:nvPr/>
+        </p:nvCxnSpPr>
+        <p:spPr>
+          <a:xfrm flipV="1">
+            <a:off x="9061075" y="1659217"/>
+            <a:ext cx="906860" cy="313390"/>
+          </a:xfrm>
+          <a:prstGeom prst="bentConnector3">
+            <a:avLst>
+              <a:gd name="adj1" fmla="val 50000"/>
+            </a:avLst>
+          </a:prstGeom>
+          <a:ln w="57150">
+            <a:solidFill>
+              <a:schemeClr val="accent2"/>
+            </a:solidFill>
+            <a:headEnd type="triangle"/>
+            <a:tailEnd type="triangle"/>
+          </a:ln>
+        </p:spPr>
+        <p:style>
+          <a:lnRef idx="1">
+            <a:schemeClr val="accent1"/>
+          </a:lnRef>
+          <a:fillRef idx="0">
+            <a:schemeClr val="accent1"/>
+          </a:fillRef>
+          <a:effectRef idx="0">
+            <a:schemeClr val="accent1"/>
+          </a:effectRef>
+          <a:fontRef idx="minor">
+            <a:schemeClr val="tx1"/>
+          </a:fontRef>
+        </p:style>
+      </p:cxnSp>
+      <p:cxnSp>
+        <p:nvCxnSpPr>
+          <p:cNvPr id="91" name="꺾인 연결선 90"/>
+          <p:cNvCxnSpPr>
+            <a:stCxn id="11" idx="3"/>
+            <a:endCxn id="12" idx="1"/>
+          </p:cNvCxnSpPr>
+          <p:nvPr/>
+        </p:nvCxnSpPr>
+        <p:spPr>
+          <a:xfrm flipV="1">
+            <a:off x="9289061" y="1659217"/>
+            <a:ext cx="678874" cy="3057881"/>
+          </a:xfrm>
+          <a:prstGeom prst="bentConnector3">
+            <a:avLst>
+              <a:gd name="adj1" fmla="val 50000"/>
+            </a:avLst>
+          </a:prstGeom>
+          <a:ln w="57150">
+            <a:solidFill>
+              <a:schemeClr val="accent2"/>
+            </a:solidFill>
+            <a:headEnd type="triangle"/>
+            <a:tailEnd type="triangle"/>
+          </a:ln>
+        </p:spPr>
+        <p:style>
+          <a:lnRef idx="1">
+            <a:schemeClr val="accent1"/>
+          </a:lnRef>
+          <a:fillRef idx="0">
+            <a:schemeClr val="accent1"/>
+          </a:fillRef>
+          <a:effectRef idx="0">
+            <a:schemeClr val="accent1"/>
+          </a:effectRef>
+          <a:fontRef idx="minor">
+            <a:schemeClr val="tx1"/>
+          </a:fontRef>
+        </p:style>
+      </p:cxnSp>
+      <p:cxnSp>
+        <p:nvCxnSpPr>
+          <p:cNvPr id="96" name="꺾인 연결선 95"/>
+          <p:cNvCxnSpPr>
+            <a:stCxn id="11" idx="3"/>
+            <a:endCxn id="12" idx="1"/>
+          </p:cNvCxnSpPr>
+          <p:nvPr/>
+        </p:nvCxnSpPr>
+        <p:spPr>
+          <a:xfrm flipV="1">
+            <a:off x="9289061" y="1659217"/>
+            <a:ext cx="678874" cy="3057881"/>
+          </a:xfrm>
+          <a:prstGeom prst="bentConnector3">
+            <a:avLst>
+              <a:gd name="adj1" fmla="val 50000"/>
+            </a:avLst>
+          </a:prstGeom>
+          <a:ln w="57150">
+            <a:solidFill>
+              <a:schemeClr val="accent2"/>
+            </a:solidFill>
+            <a:headEnd type="triangle"/>
+            <a:tailEnd type="triangle"/>
+          </a:ln>
+        </p:spPr>
+        <p:style>
+          <a:lnRef idx="1">
+            <a:schemeClr val="accent1"/>
+          </a:lnRef>
+          <a:fillRef idx="0">
+            <a:schemeClr val="accent1"/>
+          </a:fillRef>
+          <a:effectRef idx="0">
+            <a:schemeClr val="accent1"/>
+          </a:effectRef>
+          <a:fontRef idx="minor">
+            <a:schemeClr val="tx1"/>
+          </a:fontRef>
+        </p:style>
+      </p:cxnSp>
+      <p:cxnSp>
+        <p:nvCxnSpPr>
+          <p:cNvPr id="99" name="꺾인 연결선 98"/>
+          <p:cNvCxnSpPr>
+            <a:stCxn id="11" idx="3"/>
+            <a:endCxn id="13" idx="1"/>
+          </p:cNvCxnSpPr>
+          <p:nvPr/>
+        </p:nvCxnSpPr>
+        <p:spPr>
+          <a:xfrm flipV="1">
+            <a:off x="9286414" y="2832772"/>
+            <a:ext cx="681520" cy="1922878"/>
+          </a:xfrm>
+          <a:prstGeom prst="bentConnector3">
+            <a:avLst>
+              <a:gd name="adj1" fmla="val 50000"/>
+            </a:avLst>
+          </a:prstGeom>
+          <a:ln w="57150">
+            <a:solidFill>
+              <a:schemeClr val="accent2"/>
+            </a:solidFill>
+            <a:headEnd type="triangle"/>
+            <a:tailEnd type="triangle"/>
+          </a:ln>
+        </p:spPr>
+        <p:style>
+          <a:lnRef idx="1">
+            <a:schemeClr val="accent1"/>
+          </a:lnRef>
+          <a:fillRef idx="0">
+            <a:schemeClr val="accent1"/>
+          </a:fillRef>
+          <a:effectRef idx="0">
+            <a:schemeClr val="accent1"/>
+          </a:effectRef>
+          <a:fontRef idx="minor">
+            <a:schemeClr val="tx1"/>
+          </a:fontRef>
+        </p:style>
+      </p:cxnSp>
+      <p:sp>
+        <p:nvSpPr>
+          <p:cNvPr id="106" name="직사각형 105"/>
+          <p:cNvSpPr/>
+          <p:nvPr/>
+        </p:nvSpPr>
+        <p:spPr>
+          <a:xfrm>
+            <a:off x="6835994" y="1246910"/>
+            <a:ext cx="2685744" cy="2288445"/>
+          </a:xfrm>
+          <a:prstGeom prst="rect">
+            <a:avLst/>
+          </a:prstGeom>
+          <a:noFill/>
+        </p:spPr>
+        <p:style>
+          <a:lnRef idx="2">
+            <a:schemeClr val="accent1">
+              <a:shade val="50000"/>
+            </a:schemeClr>
+          </a:lnRef>
+          <a:fillRef idx="1">
+            <a:schemeClr val="accent1"/>
+          </a:fillRef>
+          <a:effectRef idx="0">
+            <a:schemeClr val="accent1"/>
+          </a:effectRef>
+          <a:fontRef idx="minor">
+            <a:schemeClr val="lt1"/>
+          </a:fontRef>
+        </p:style>
+        <p:txBody>
+          <a:bodyPr rtlCol="0" anchor="ctr"/>
+          <a:lstStyle/>
+          <a:p>
+            <a:pPr algn="ctr"/>
+            <a:endParaRPr lang="ko-KR" altLang="en-US"/>
+          </a:p>
+        </p:txBody>
+      </p:sp>
+      <p:sp>
+        <p:nvSpPr>
+          <p:cNvPr id="107" name="직사각형 106"/>
+          <p:cNvSpPr/>
+          <p:nvPr/>
+        </p:nvSpPr>
+        <p:spPr>
+          <a:xfrm>
+            <a:off x="6818064" y="4217390"/>
+            <a:ext cx="2685744" cy="2288445"/>
+          </a:xfrm>
+          <a:prstGeom prst="rect">
+            <a:avLst/>
+          </a:prstGeom>
+          <a:noFill/>
+        </p:spPr>
+        <p:style>
+          <a:lnRef idx="2">
+            <a:schemeClr val="accent1">
+              <a:shade val="50000"/>
+            </a:schemeClr>
+          </a:lnRef>
+          <a:fillRef idx="1">
+            <a:schemeClr val="accent1"/>
+          </a:fillRef>
+          <a:effectRef idx="0">
+            <a:schemeClr val="accent1"/>
+          </a:effectRef>
+          <a:fontRef idx="minor">
+            <a:schemeClr val="lt1"/>
+          </a:fontRef>
+        </p:style>
+        <p:txBody>
+          <a:bodyPr rtlCol="0" anchor="ctr"/>
+          <a:lstStyle/>
+          <a:p>
+            <a:pPr algn="ctr"/>
+            <a:endParaRPr lang="ko-KR" altLang="en-US"/>
+          </a:p>
+        </p:txBody>
+      </p:sp>
+      <p:sp>
+        <p:nvSpPr>
+          <p:cNvPr id="108" name="TextBox 107"/>
+          <p:cNvSpPr txBox="1"/>
+          <p:nvPr/>
+        </p:nvSpPr>
+        <p:spPr>
+          <a:xfrm>
+            <a:off x="7831075" y="831073"/>
+            <a:ext cx="4117244" cy="369332"/>
+          </a:xfrm>
+          <a:prstGeom prst="rect">
+            <a:avLst/>
+          </a:prstGeom>
+          <a:noFill/>
+        </p:spPr>
+        <p:txBody>
+          <a:bodyPr wrap="square" rtlCol="0">
+            <a:spAutoFit/>
+          </a:bodyPr>
+          <a:lstStyle/>
+          <a:p>
+            <a:r>
+              <a:rPr lang="ko-KR" altLang="en-US" dirty="0" smtClean="0"/>
+              <a:t>과천 </a:t>
+            </a:r>
+            <a:r>
+              <a:rPr lang="en-US" altLang="ko-KR" dirty="0" smtClean="0"/>
+              <a:t>: AZ-a(10.1.1. x(0 ~ 255))</a:t>
+            </a:r>
+            <a:endParaRPr lang="ko-KR" altLang="en-US" dirty="0"/>
+          </a:p>
+        </p:txBody>
+      </p:sp>
+      <p:sp>
+        <p:nvSpPr>
+          <p:cNvPr id="109" name="TextBox 108"/>
+          <p:cNvSpPr txBox="1"/>
+          <p:nvPr/>
+        </p:nvSpPr>
+        <p:spPr>
+          <a:xfrm>
+            <a:off x="7664821" y="3884979"/>
+            <a:ext cx="4682024" cy="646331"/>
+          </a:xfrm>
+          <a:prstGeom prst="rect">
+            <a:avLst/>
+          </a:prstGeom>
+          <a:noFill/>
+        </p:spPr>
+        <p:txBody>
+          <a:bodyPr wrap="square" rtlCol="0">
+            <a:spAutoFit/>
+          </a:bodyPr>
+          <a:lstStyle/>
+          <a:p>
+            <a:r>
+              <a:rPr lang="ko-KR" altLang="en-US" dirty="0" smtClean="0"/>
+              <a:t>대전 </a:t>
+            </a:r>
+            <a:r>
+              <a:rPr lang="en-US" altLang="ko-KR" dirty="0" smtClean="0"/>
+              <a:t>: AZ-b(10.1.3.x</a:t>
+            </a:r>
+            <a:r>
+              <a:rPr lang="en-US" altLang="ko-KR" dirty="0"/>
+              <a:t>)</a:t>
+            </a:r>
+            <a:endParaRPr lang="ko-KR" altLang="en-US" dirty="0"/>
+          </a:p>
+          <a:p>
+            <a:endParaRPr lang="ko-KR" altLang="en-US" dirty="0"/>
+          </a:p>
+        </p:txBody>
+      </p:sp>
+      <p:sp>
+        <p:nvSpPr>
+          <p:cNvPr id="110" name="직사각형 109"/>
+          <p:cNvSpPr/>
+          <p:nvPr/>
+        </p:nvSpPr>
+        <p:spPr>
+          <a:xfrm>
+            <a:off x="4648011" y="301590"/>
+            <a:ext cx="2954655" cy="369332"/>
+          </a:xfrm>
+          <a:prstGeom prst="rect">
+            <a:avLst/>
+          </a:prstGeom>
+        </p:spPr>
+        <p:txBody>
+          <a:bodyPr wrap="none">
+            <a:spAutoFit/>
+          </a:bodyPr>
+          <a:lstStyle/>
+          <a:p>
+            <a:r>
+              <a:rPr lang="ko-KR" altLang="en-US" dirty="0" smtClean="0"/>
+              <a:t>직원디렉토리시스템구조도</a:t>
+            </a:r>
+            <a:endParaRPr lang="ko-KR" altLang="en-US" dirty="0"/>
+          </a:p>
+        </p:txBody>
+      </p:sp>
+      <p:sp>
+        <p:nvSpPr>
+          <p:cNvPr id="10" name="직사각형 9"/>
+          <p:cNvSpPr/>
+          <p:nvPr/>
+        </p:nvSpPr>
+        <p:spPr>
+          <a:xfrm>
+            <a:off x="7080690" y="1684797"/>
+            <a:ext cx="1980385" cy="575620"/>
+          </a:xfrm>
+          <a:prstGeom prst="rect">
+            <a:avLst/>
+          </a:prstGeom>
+        </p:spPr>
+        <p:style>
+          <a:lnRef idx="2">
+            <a:schemeClr val="accent1">
+              <a:shade val="50000"/>
+            </a:schemeClr>
+          </a:lnRef>
+          <a:fillRef idx="1">
+            <a:schemeClr val="accent1"/>
+          </a:fillRef>
+          <a:effectRef idx="0">
+            <a:schemeClr val="accent1"/>
+          </a:effectRef>
+          <a:fontRef idx="minor">
+            <a:schemeClr val="lt1"/>
+          </a:fontRef>
+        </p:style>
+        <p:txBody>
+          <a:bodyPr rtlCol="0" anchor="ctr"/>
+          <a:lstStyle/>
+          <a:p>
+            <a:pPr algn="ctr"/>
+            <a:r>
+              <a:rPr lang="en-US" altLang="ko-KR" dirty="0" smtClean="0"/>
+              <a:t>EC2</a:t>
+            </a:r>
+          </a:p>
+        </p:txBody>
+      </p:sp>
+      <p:sp>
+        <p:nvSpPr>
+          <p:cNvPr id="47" name="직사각형 46"/>
+          <p:cNvSpPr/>
+          <p:nvPr/>
+        </p:nvSpPr>
+        <p:spPr>
+          <a:xfrm>
+            <a:off x="5741652" y="1025791"/>
+            <a:ext cx="1784463" cy="369332"/>
+          </a:xfrm>
+          <a:prstGeom prst="rect">
+            <a:avLst/>
+          </a:prstGeom>
+        </p:spPr>
+        <p:txBody>
+          <a:bodyPr wrap="none">
+            <a:spAutoFit/>
+          </a:bodyPr>
+          <a:lstStyle/>
+          <a:p>
+            <a:r>
+              <a:rPr lang="ko-KR" altLang="en-US" dirty="0" smtClean="0"/>
+              <a:t>프록시 </a:t>
+            </a:r>
+            <a:r>
+              <a:rPr lang="en-US" altLang="ko-KR" dirty="0" smtClean="0"/>
+              <a:t>: </a:t>
+            </a:r>
+            <a:r>
+              <a:rPr lang="ko-KR" altLang="en-US" dirty="0" smtClean="0"/>
+              <a:t>대리인</a:t>
+            </a:r>
+            <a:endParaRPr lang="ko-KR" altLang="en-US" dirty="0"/>
+          </a:p>
+        </p:txBody>
+      </p:sp>
+      <p:sp>
+        <p:nvSpPr>
+          <p:cNvPr id="34" name="직사각형 33"/>
+          <p:cNvSpPr/>
+          <p:nvPr/>
+        </p:nvSpPr>
+        <p:spPr>
+          <a:xfrm>
+            <a:off x="9896218" y="1200405"/>
+            <a:ext cx="2328975" cy="3797011"/>
+          </a:xfrm>
+          <a:prstGeom prst="rect">
+            <a:avLst/>
+          </a:prstGeom>
+          <a:noFill/>
+        </p:spPr>
+        <p:style>
+          <a:lnRef idx="2">
+            <a:schemeClr val="accent1">
+              <a:shade val="50000"/>
+            </a:schemeClr>
+          </a:lnRef>
+          <a:fillRef idx="1">
+            <a:schemeClr val="accent1"/>
+          </a:fillRef>
+          <a:effectRef idx="0">
+            <a:schemeClr val="accent1"/>
+          </a:effectRef>
+          <a:fontRef idx="minor">
+            <a:schemeClr val="lt1"/>
+          </a:fontRef>
+        </p:style>
+        <p:txBody>
+          <a:bodyPr rtlCol="0" anchor="ctr"/>
+          <a:lstStyle/>
+          <a:p>
+            <a:pPr algn="ctr"/>
+            <a:endParaRPr lang="ko-KR" altLang="en-US"/>
+          </a:p>
+        </p:txBody>
+      </p:sp>
+      <p:sp>
+        <p:nvSpPr>
+          <p:cNvPr id="35" name="TextBox 34"/>
+          <p:cNvSpPr txBox="1"/>
+          <p:nvPr/>
+        </p:nvSpPr>
+        <p:spPr>
+          <a:xfrm>
+            <a:off x="10382143" y="4347766"/>
+            <a:ext cx="1479591" cy="646331"/>
+          </a:xfrm>
+          <a:prstGeom prst="rect">
+            <a:avLst/>
+          </a:prstGeom>
+          <a:noFill/>
+        </p:spPr>
+        <p:txBody>
+          <a:bodyPr wrap="square" rtlCol="0">
+            <a:spAutoFit/>
+          </a:bodyPr>
+          <a:lstStyle/>
+          <a:p>
+            <a:r>
+              <a:rPr lang="en-US" altLang="ko-KR" dirty="0" smtClean="0"/>
+              <a:t>Data</a:t>
+            </a:r>
+            <a:r>
+              <a:rPr lang="ko-KR" altLang="en-US" dirty="0" smtClean="0"/>
+              <a:t> 영역</a:t>
+            </a:r>
+            <a:endParaRPr lang="en-US" altLang="ko-KR" dirty="0" smtClean="0"/>
+          </a:p>
+          <a:p>
+            <a:r>
+              <a:rPr lang="en-US" altLang="ko-KR" dirty="0" smtClean="0"/>
+              <a:t>(</a:t>
+            </a:r>
+            <a:r>
+              <a:rPr lang="en-US" altLang="ko-KR" dirty="0" err="1" smtClean="0"/>
+              <a:t>usb</a:t>
+            </a:r>
+            <a:r>
+              <a:rPr lang="en-US" altLang="ko-KR" dirty="0" smtClean="0"/>
+              <a:t> disk)</a:t>
+            </a:r>
+            <a:endParaRPr lang="ko-KR" altLang="en-US" dirty="0"/>
+          </a:p>
+        </p:txBody>
+      </p:sp>
+      <p:sp>
+        <p:nvSpPr>
+          <p:cNvPr id="37" name="직사각형 36"/>
+          <p:cNvSpPr/>
+          <p:nvPr/>
+        </p:nvSpPr>
+        <p:spPr>
+          <a:xfrm>
+            <a:off x="7111170" y="2495446"/>
+            <a:ext cx="1980385" cy="575620"/>
+          </a:xfrm>
+          <a:prstGeom prst="rect">
+            <a:avLst/>
+          </a:prstGeom>
+        </p:spPr>
+        <p:style>
+          <a:lnRef idx="2">
+            <a:schemeClr val="accent1">
+              <a:shade val="50000"/>
+            </a:schemeClr>
+          </a:lnRef>
+          <a:fillRef idx="1">
+            <a:schemeClr val="accent1"/>
+          </a:fillRef>
+          <a:effectRef idx="0">
+            <a:schemeClr val="accent1"/>
+          </a:effectRef>
+          <a:fontRef idx="minor">
+            <a:schemeClr val="lt1"/>
+          </a:fontRef>
+        </p:style>
+        <p:txBody>
+          <a:bodyPr rtlCol="0" anchor="ctr"/>
+          <a:lstStyle/>
+          <a:p>
+            <a:pPr algn="ctr"/>
+            <a:r>
+              <a:rPr lang="en-US" altLang="ko-KR" dirty="0" smtClean="0"/>
+              <a:t>EC2 : DB</a:t>
+            </a:r>
+            <a:endParaRPr lang="en-US" altLang="ko-KR" dirty="0" smtClean="0"/>
+          </a:p>
+        </p:txBody>
+      </p:sp>
+      <p:sp>
+        <p:nvSpPr>
+          <p:cNvPr id="38" name="직사각형 37"/>
+          <p:cNvSpPr/>
+          <p:nvPr/>
+        </p:nvSpPr>
+        <p:spPr>
+          <a:xfrm>
+            <a:off x="7306029" y="5239937"/>
+            <a:ext cx="1980385" cy="575620"/>
+          </a:xfrm>
+          <a:prstGeom prst="rect">
+            <a:avLst/>
+          </a:prstGeom>
+        </p:spPr>
+        <p:style>
+          <a:lnRef idx="2">
+            <a:schemeClr val="accent1">
+              <a:shade val="50000"/>
+            </a:schemeClr>
+          </a:lnRef>
+          <a:fillRef idx="1">
+            <a:schemeClr val="accent1"/>
+          </a:fillRef>
+          <a:effectRef idx="0">
+            <a:schemeClr val="accent1"/>
+          </a:effectRef>
+          <a:fontRef idx="minor">
+            <a:schemeClr val="lt1"/>
+          </a:fontRef>
+        </p:style>
+        <p:txBody>
+          <a:bodyPr rtlCol="0" anchor="ctr"/>
+          <a:lstStyle/>
+          <a:p>
+            <a:pPr algn="ctr"/>
+            <a:r>
+              <a:rPr lang="en-US" altLang="ko-KR" dirty="0" smtClean="0"/>
+              <a:t>EC2 : DB</a:t>
+            </a:r>
+            <a:endParaRPr lang="en-US" altLang="ko-KR" dirty="0" smtClean="0"/>
+          </a:p>
+        </p:txBody>
+      </p:sp>
+    </p:spTree>
+    <p:extLst>
+      <p:ext uri="{BB962C8B-B14F-4D97-AF65-F5344CB8AC3E}">
+        <p14:creationId xmlns:p14="http://schemas.microsoft.com/office/powerpoint/2010/main" val="3652896678"/>
+      </p:ext>
+    </p:extLst>
+  </p:cSld>
+  <p:clrMapOvr>
+    <a:masterClrMapping/>
+  </p:clrMapOvr>
+</p:sld>
+</file>
+
+<file path=ppt/slides/slide5.xml><?xml version="1.0" encoding="utf-8"?>
+<p:sld xmlns:a="http://schemas.openxmlformats.org/drawingml/2006/main" xmlns:r="http://schemas.openxmlformats.org/officeDocument/2006/relationships" xmlns:p="http://schemas.openxmlformats.org/presentationml/2006/main">
+  <p:cSld>
+    <p:spTree>
+      <p:nvGrpSpPr>
+        <p:cNvPr id="1" name=""/>
+        <p:cNvGrpSpPr/>
+        <p:nvPr/>
+      </p:nvGrpSpPr>
+      <p:grpSpPr>
+        <a:xfrm>
+          <a:off x="0" y="0"/>
+          <a:ext cx="0" cy="0"/>
+          <a:chOff x="0" y="0"/>
+          <a:chExt cx="0" cy="0"/>
+        </a:xfrm>
+      </p:grpSpPr>
+      <p:sp>
+        <p:nvSpPr>
+          <p:cNvPr id="4" name="직사각형 3"/>
+          <p:cNvSpPr/>
+          <p:nvPr/>
+        </p:nvSpPr>
+        <p:spPr>
+          <a:xfrm>
+            <a:off x="5315256" y="713916"/>
+            <a:ext cx="1872809" cy="718807"/>
+          </a:xfrm>
+          <a:prstGeom prst="rect">
+            <a:avLst/>
+          </a:prstGeom>
+        </p:spPr>
+        <p:style>
+          <a:lnRef idx="2">
+            <a:schemeClr val="accent1">
+              <a:shade val="50000"/>
+            </a:schemeClr>
+          </a:lnRef>
+          <a:fillRef idx="1">
+            <a:schemeClr val="accent1"/>
+          </a:fillRef>
+          <a:effectRef idx="0">
+            <a:schemeClr val="accent1"/>
+          </a:effectRef>
+          <a:fontRef idx="minor">
+            <a:schemeClr val="lt1"/>
+          </a:fontRef>
+        </p:style>
+        <p:txBody>
+          <a:bodyPr rtlCol="0" anchor="ctr"/>
+          <a:lstStyle/>
+          <a:p>
+            <a:pPr algn="ctr"/>
+            <a:r>
+              <a:rPr lang="ko-KR" altLang="en-US" dirty="0" err="1" smtClean="0"/>
+              <a:t>인테넷망</a:t>
+            </a:r>
+            <a:r>
+              <a:rPr lang="ko-KR" altLang="en-US" dirty="0" smtClean="0"/>
+              <a:t> </a:t>
+            </a:r>
+            <a:endParaRPr lang="ko-KR" altLang="en-US" dirty="0"/>
+          </a:p>
+        </p:txBody>
+      </p:sp>
+      <p:sp>
+        <p:nvSpPr>
+          <p:cNvPr id="5" name="직사각형 4"/>
+          <p:cNvSpPr/>
+          <p:nvPr/>
+        </p:nvSpPr>
+        <p:spPr>
+          <a:xfrm>
+            <a:off x="5349485" y="1751377"/>
+            <a:ext cx="1872809" cy="718807"/>
+          </a:xfrm>
+          <a:prstGeom prst="rect">
+            <a:avLst/>
+          </a:prstGeom>
+        </p:spPr>
+        <p:style>
+          <a:lnRef idx="2">
+            <a:schemeClr val="accent1">
+              <a:shade val="50000"/>
+            </a:schemeClr>
+          </a:lnRef>
+          <a:fillRef idx="1">
+            <a:schemeClr val="accent1"/>
+          </a:fillRef>
+          <a:effectRef idx="0">
+            <a:schemeClr val="accent1"/>
+          </a:effectRef>
+          <a:fontRef idx="minor">
+            <a:schemeClr val="lt1"/>
+          </a:fontRef>
+        </p:style>
+        <p:txBody>
+          <a:bodyPr rtlCol="0" anchor="ctr"/>
+          <a:lstStyle/>
+          <a:p>
+            <a:pPr algn="ctr"/>
+            <a:r>
+              <a:rPr lang="en-US" altLang="ko-KR" dirty="0" smtClean="0"/>
+              <a:t>SK/KT/LG</a:t>
+            </a:r>
+            <a:endParaRPr lang="ko-KR" altLang="en-US" dirty="0"/>
+          </a:p>
+        </p:txBody>
+      </p:sp>
+      <p:sp>
+        <p:nvSpPr>
+          <p:cNvPr id="6" name="직사각형 5"/>
+          <p:cNvSpPr/>
+          <p:nvPr/>
+        </p:nvSpPr>
+        <p:spPr>
+          <a:xfrm>
+            <a:off x="4708915" y="2574090"/>
+            <a:ext cx="5633095" cy="880986"/>
+          </a:xfrm>
+          <a:prstGeom prst="rect">
+            <a:avLst/>
+          </a:prstGeom>
+        </p:spPr>
+        <p:style>
+          <a:lnRef idx="2">
+            <a:schemeClr val="accent1">
+              <a:shade val="50000"/>
+            </a:schemeClr>
+          </a:lnRef>
+          <a:fillRef idx="1">
+            <a:schemeClr val="accent1"/>
+          </a:fillRef>
+          <a:effectRef idx="0">
+            <a:schemeClr val="accent1"/>
+          </a:effectRef>
+          <a:fontRef idx="minor">
+            <a:schemeClr val="lt1"/>
+          </a:fontRef>
+        </p:style>
+        <p:txBody>
+          <a:bodyPr rtlCol="0" anchor="ctr"/>
+          <a:lstStyle/>
+          <a:p>
+            <a:pPr algn="ctr"/>
+            <a:r>
+              <a:rPr lang="ko-KR" altLang="en-US" dirty="0" smtClean="0"/>
+              <a:t>아파트 동 </a:t>
+            </a:r>
+            <a:r>
+              <a:rPr lang="en-US" altLang="ko-KR" dirty="0" smtClean="0"/>
+              <a:t>/ </a:t>
+            </a:r>
+            <a:r>
+              <a:rPr lang="ko-KR" altLang="en-US" dirty="0" smtClean="0"/>
+              <a:t>라우터</a:t>
+            </a:r>
+            <a:r>
+              <a:rPr lang="en-US" altLang="ko-KR" dirty="0" smtClean="0"/>
+              <a:t> (</a:t>
+            </a:r>
+            <a:r>
+              <a:rPr lang="ko-KR" altLang="en-US" dirty="0" err="1" smtClean="0"/>
+              <a:t>공인아이피</a:t>
+            </a:r>
+            <a:r>
+              <a:rPr lang="ko-KR" altLang="en-US" dirty="0" smtClean="0"/>
+              <a:t> </a:t>
+            </a:r>
+            <a:r>
+              <a:rPr lang="en-US" altLang="ko-KR" dirty="0" smtClean="0"/>
+              <a:t>: 182.227.222.10)</a:t>
+            </a:r>
+          </a:p>
+          <a:p>
+            <a:pPr algn="ctr"/>
+            <a:r>
+              <a:rPr lang="ko-KR" altLang="en-US" dirty="0" err="1" smtClean="0"/>
+              <a:t>사설아이피</a:t>
+            </a:r>
+            <a:r>
+              <a:rPr lang="en-US" altLang="ko-KR" dirty="0" smtClean="0"/>
+              <a:t>(192.168.0.0~192.168.0.255 / 192.168.0.0/24) </a:t>
+            </a:r>
+            <a:r>
+              <a:rPr lang="ko-KR" altLang="en-US" dirty="0" smtClean="0"/>
+              <a:t>동적</a:t>
+            </a:r>
+            <a:r>
+              <a:rPr lang="en-US" altLang="ko-KR" dirty="0" smtClean="0"/>
+              <a:t>(DHCP)</a:t>
+            </a:r>
+            <a:endParaRPr lang="ko-KR" altLang="en-US" dirty="0"/>
+          </a:p>
+        </p:txBody>
+      </p:sp>
+      <p:sp>
+        <p:nvSpPr>
+          <p:cNvPr id="7" name="직사각형 6"/>
+          <p:cNvSpPr/>
+          <p:nvPr/>
+        </p:nvSpPr>
+        <p:spPr>
+          <a:xfrm>
+            <a:off x="4993342" y="3626629"/>
+            <a:ext cx="3045554" cy="1439245"/>
+          </a:xfrm>
+          <a:prstGeom prst="rect">
+            <a:avLst/>
+          </a:prstGeom>
+        </p:spPr>
+        <p:style>
+          <a:lnRef idx="2">
+            <a:schemeClr val="accent1">
+              <a:shade val="50000"/>
+            </a:schemeClr>
+          </a:lnRef>
+          <a:fillRef idx="1">
+            <a:schemeClr val="accent1"/>
+          </a:fillRef>
+          <a:effectRef idx="0">
+            <a:schemeClr val="accent1"/>
+          </a:effectRef>
+          <a:fontRef idx="minor">
+            <a:schemeClr val="lt1"/>
+          </a:fontRef>
+        </p:style>
+        <p:txBody>
+          <a:bodyPr rtlCol="0" anchor="ctr"/>
+          <a:lstStyle/>
+          <a:p>
+            <a:pPr algn="ctr"/>
+            <a:r>
+              <a:rPr lang="ko-KR" altLang="en-US" dirty="0" smtClean="0"/>
+              <a:t>집</a:t>
+            </a:r>
+            <a:r>
+              <a:rPr lang="en-US" altLang="ko-KR" dirty="0" smtClean="0"/>
+              <a:t>(</a:t>
+            </a:r>
+            <a:r>
+              <a:rPr lang="ko-KR" altLang="en-US" dirty="0" smtClean="0"/>
+              <a:t>스위치</a:t>
+            </a:r>
+            <a:r>
+              <a:rPr lang="en-US" altLang="ko-KR" dirty="0" smtClean="0"/>
+              <a:t>/hub)</a:t>
+            </a:r>
+          </a:p>
+          <a:p>
+            <a:pPr algn="ctr"/>
+            <a:r>
+              <a:rPr lang="ko-KR" altLang="en-US" dirty="0" err="1" smtClean="0"/>
+              <a:t>사설아이피</a:t>
+            </a:r>
+            <a:r>
+              <a:rPr lang="en-US" altLang="ko-KR" dirty="0" smtClean="0"/>
+              <a:t>(192.168.0.3)</a:t>
+            </a:r>
+          </a:p>
+          <a:p>
+            <a:pPr algn="ctr"/>
+            <a:r>
+              <a:rPr lang="ko-KR" altLang="en-US" dirty="0" err="1"/>
+              <a:t>사설아이피</a:t>
+            </a:r>
+            <a:r>
+              <a:rPr lang="en-US" altLang="ko-KR" dirty="0"/>
+              <a:t>(</a:t>
+            </a:r>
+            <a:r>
+              <a:rPr lang="en-US" altLang="ko-KR" dirty="0" smtClean="0"/>
+              <a:t>192.168.1.0~255)</a:t>
+            </a:r>
+            <a:endParaRPr lang="en-US" altLang="ko-KR" dirty="0"/>
+          </a:p>
+          <a:p>
+            <a:pPr algn="ctr"/>
+            <a:r>
+              <a:rPr lang="en-US" altLang="ko-KR" dirty="0" smtClean="0"/>
+              <a:t>(</a:t>
+            </a:r>
+            <a:r>
+              <a:rPr lang="ko-KR" altLang="en-US" dirty="0"/>
+              <a:t>발급</a:t>
+            </a:r>
+            <a:r>
+              <a:rPr lang="en-US" altLang="ko-KR" dirty="0"/>
+              <a:t>) </a:t>
+            </a:r>
+            <a:r>
+              <a:rPr lang="ko-KR" altLang="en-US" dirty="0"/>
+              <a:t>동적</a:t>
+            </a:r>
+            <a:r>
+              <a:rPr lang="en-US" altLang="ko-KR" dirty="0"/>
+              <a:t>(DHCP</a:t>
+            </a:r>
+            <a:r>
+              <a:rPr lang="en-US" altLang="ko-KR" dirty="0" smtClean="0"/>
+              <a:t>)</a:t>
+            </a:r>
+            <a:endParaRPr lang="ko-KR" altLang="en-US" dirty="0"/>
+          </a:p>
+        </p:txBody>
+      </p:sp>
+      <p:sp>
+        <p:nvSpPr>
+          <p:cNvPr id="8" name="직사각형 7"/>
+          <p:cNvSpPr/>
+          <p:nvPr/>
+        </p:nvSpPr>
+        <p:spPr>
+          <a:xfrm>
+            <a:off x="1439243" y="3626630"/>
+            <a:ext cx="2889895" cy="718807"/>
+          </a:xfrm>
+          <a:prstGeom prst="rect">
+            <a:avLst/>
+          </a:prstGeom>
+        </p:spPr>
+        <p:style>
+          <a:lnRef idx="2">
+            <a:schemeClr val="accent1">
+              <a:shade val="50000"/>
+            </a:schemeClr>
+          </a:lnRef>
+          <a:fillRef idx="1">
+            <a:schemeClr val="accent1"/>
+          </a:fillRef>
+          <a:effectRef idx="0">
+            <a:schemeClr val="accent1"/>
+          </a:effectRef>
+          <a:fontRef idx="minor">
+            <a:schemeClr val="lt1"/>
+          </a:fontRef>
+        </p:style>
+        <p:txBody>
+          <a:bodyPr rtlCol="0" anchor="ctr"/>
+          <a:lstStyle/>
+          <a:p>
+            <a:pPr algn="ctr"/>
+            <a:r>
+              <a:rPr lang="ko-KR" altLang="en-US" dirty="0" smtClean="0"/>
+              <a:t>집</a:t>
+            </a:r>
+            <a:r>
+              <a:rPr lang="en-US" altLang="ko-KR" dirty="0" smtClean="0"/>
+              <a:t>(</a:t>
+            </a:r>
+            <a:r>
+              <a:rPr lang="ko-KR" altLang="en-US" dirty="0" smtClean="0"/>
+              <a:t>스위치</a:t>
+            </a:r>
+            <a:r>
+              <a:rPr lang="en-US" altLang="ko-KR" dirty="0" smtClean="0"/>
+              <a:t>)</a:t>
+            </a:r>
+          </a:p>
+          <a:p>
+            <a:pPr algn="ctr"/>
+            <a:r>
+              <a:rPr lang="ko-KR" altLang="en-US" dirty="0" err="1"/>
+              <a:t>사설아이피</a:t>
+            </a:r>
+            <a:r>
+              <a:rPr lang="en-US" altLang="ko-KR" dirty="0"/>
+              <a:t>(</a:t>
+            </a:r>
+            <a:r>
+              <a:rPr lang="en-US" altLang="ko-KR" dirty="0" smtClean="0"/>
+              <a:t>192.168.0.2)</a:t>
+            </a:r>
+            <a:endParaRPr lang="ko-KR" altLang="en-US" dirty="0"/>
+          </a:p>
+        </p:txBody>
+      </p:sp>
+      <p:sp>
+        <p:nvSpPr>
+          <p:cNvPr id="9" name="직사각형 8"/>
+          <p:cNvSpPr/>
+          <p:nvPr/>
+        </p:nvSpPr>
+        <p:spPr>
+          <a:xfrm>
+            <a:off x="8547441" y="3626629"/>
+            <a:ext cx="2889895" cy="718807"/>
+          </a:xfrm>
+          <a:prstGeom prst="rect">
+            <a:avLst/>
+          </a:prstGeom>
+        </p:spPr>
+        <p:style>
+          <a:lnRef idx="2">
+            <a:schemeClr val="accent1">
+              <a:shade val="50000"/>
+            </a:schemeClr>
+          </a:lnRef>
+          <a:fillRef idx="1">
+            <a:schemeClr val="accent1"/>
+          </a:fillRef>
+          <a:effectRef idx="0">
+            <a:schemeClr val="accent1"/>
+          </a:effectRef>
+          <a:fontRef idx="minor">
+            <a:schemeClr val="lt1"/>
+          </a:fontRef>
+        </p:style>
+        <p:txBody>
+          <a:bodyPr rtlCol="0" anchor="ctr"/>
+          <a:lstStyle/>
+          <a:p>
+            <a:pPr algn="ctr"/>
+            <a:r>
+              <a:rPr lang="ko-KR" altLang="en-US" dirty="0" smtClean="0"/>
+              <a:t>집</a:t>
+            </a:r>
+            <a:r>
+              <a:rPr lang="en-US" altLang="ko-KR" dirty="0" smtClean="0"/>
+              <a:t>(</a:t>
+            </a:r>
+            <a:r>
+              <a:rPr lang="ko-KR" altLang="en-US" dirty="0" smtClean="0"/>
+              <a:t>스위치</a:t>
+            </a:r>
+            <a:r>
+              <a:rPr lang="en-US" altLang="ko-KR" dirty="0" smtClean="0"/>
+              <a:t>)</a:t>
+            </a:r>
+            <a:r>
+              <a:rPr lang="ko-KR" altLang="en-US" dirty="0"/>
+              <a:t> </a:t>
+            </a:r>
+            <a:endParaRPr lang="en-US" altLang="ko-KR" dirty="0" smtClean="0"/>
+          </a:p>
+          <a:p>
+            <a:pPr algn="ctr"/>
+            <a:r>
+              <a:rPr lang="ko-KR" altLang="en-US" dirty="0" err="1" smtClean="0"/>
+              <a:t>사설아이피</a:t>
+            </a:r>
+            <a:r>
+              <a:rPr lang="en-US" altLang="ko-KR" dirty="0"/>
+              <a:t>(</a:t>
+            </a:r>
+            <a:r>
+              <a:rPr lang="en-US" altLang="ko-KR" dirty="0" smtClean="0"/>
+              <a:t>192.168.0.4)</a:t>
+            </a:r>
+            <a:endParaRPr lang="ko-KR" altLang="en-US" dirty="0"/>
+          </a:p>
+        </p:txBody>
+      </p:sp>
+      <p:sp>
+        <p:nvSpPr>
+          <p:cNvPr id="10" name="직사각형 9"/>
+          <p:cNvSpPr/>
+          <p:nvPr/>
+        </p:nvSpPr>
+        <p:spPr>
+          <a:xfrm>
+            <a:off x="3361765" y="5610273"/>
+            <a:ext cx="2889895" cy="718807"/>
+          </a:xfrm>
+          <a:prstGeom prst="rect">
+            <a:avLst/>
+          </a:prstGeom>
+        </p:spPr>
+        <p:style>
+          <a:lnRef idx="2">
+            <a:schemeClr val="accent1">
+              <a:shade val="50000"/>
+            </a:schemeClr>
+          </a:lnRef>
+          <a:fillRef idx="1">
+            <a:schemeClr val="accent1"/>
+          </a:fillRef>
+          <a:effectRef idx="0">
+            <a:schemeClr val="accent1"/>
+          </a:effectRef>
+          <a:fontRef idx="minor">
+            <a:schemeClr val="lt1"/>
+          </a:fontRef>
+        </p:style>
+        <p:txBody>
+          <a:bodyPr rtlCol="0" anchor="ctr"/>
+          <a:lstStyle/>
+          <a:p>
+            <a:pPr algn="ctr"/>
+            <a:r>
+              <a:rPr lang="en-US" altLang="ko-KR" dirty="0" smtClean="0"/>
+              <a:t>PC(192.168.1.3)</a:t>
+            </a:r>
+            <a:endParaRPr lang="ko-KR" altLang="en-US" dirty="0"/>
+          </a:p>
+        </p:txBody>
+      </p:sp>
+      <p:sp>
+        <p:nvSpPr>
+          <p:cNvPr id="11" name="직사각형 10"/>
+          <p:cNvSpPr/>
+          <p:nvPr/>
+        </p:nvSpPr>
+        <p:spPr>
+          <a:xfrm>
+            <a:off x="6887339" y="5610273"/>
+            <a:ext cx="2889895" cy="718807"/>
+          </a:xfrm>
+          <a:prstGeom prst="rect">
+            <a:avLst/>
+          </a:prstGeom>
+        </p:spPr>
+        <p:style>
+          <a:lnRef idx="2">
+            <a:schemeClr val="accent1">
+              <a:shade val="50000"/>
+            </a:schemeClr>
+          </a:lnRef>
+          <a:fillRef idx="1">
+            <a:schemeClr val="accent1"/>
+          </a:fillRef>
+          <a:effectRef idx="0">
+            <a:schemeClr val="accent1"/>
+          </a:effectRef>
+          <a:fontRef idx="minor">
+            <a:schemeClr val="lt1"/>
+          </a:fontRef>
+        </p:style>
+        <p:txBody>
+          <a:bodyPr rtlCol="0" anchor="ctr"/>
+          <a:lstStyle/>
+          <a:p>
+            <a:pPr algn="ctr"/>
+            <a:r>
+              <a:rPr lang="ko-KR" altLang="en-US" dirty="0" smtClean="0"/>
+              <a:t>노트북</a:t>
+            </a:r>
+            <a:r>
+              <a:rPr lang="en-US" altLang="ko-KR" dirty="0"/>
+              <a:t>(</a:t>
+            </a:r>
+            <a:r>
+              <a:rPr lang="en-US" altLang="ko-KR" dirty="0" smtClean="0"/>
+              <a:t>192.168.1.4)</a:t>
+            </a:r>
+            <a:endParaRPr lang="ko-KR" altLang="en-US" dirty="0"/>
+          </a:p>
+        </p:txBody>
+      </p:sp>
+      <p:sp>
+        <p:nvSpPr>
+          <p:cNvPr id="12" name="직사각형 11"/>
+          <p:cNvSpPr/>
+          <p:nvPr/>
+        </p:nvSpPr>
+        <p:spPr>
+          <a:xfrm>
+            <a:off x="10051881" y="5610273"/>
+            <a:ext cx="2889895" cy="718807"/>
+          </a:xfrm>
+          <a:prstGeom prst="rect">
+            <a:avLst/>
+          </a:prstGeom>
+        </p:spPr>
+        <p:style>
+          <a:lnRef idx="2">
+            <a:schemeClr val="accent1">
+              <a:shade val="50000"/>
+            </a:schemeClr>
+          </a:lnRef>
+          <a:fillRef idx="1">
+            <a:schemeClr val="accent1"/>
+          </a:fillRef>
+          <a:effectRef idx="0">
+            <a:schemeClr val="accent1"/>
+          </a:effectRef>
+          <a:fontRef idx="minor">
+            <a:schemeClr val="lt1"/>
+          </a:fontRef>
+        </p:style>
+        <p:txBody>
+          <a:bodyPr rtlCol="0" anchor="ctr"/>
+          <a:lstStyle/>
+          <a:p>
+            <a:pPr algn="ctr"/>
+            <a:r>
               <a:rPr lang="ko-KR" altLang="en-US" dirty="0" smtClean="0"/>
               <a:t>스마트폰</a:t>
             </a:r>
@@ -7008,6 +8539,84 @@
     <p:extLst>
       <p:ext uri="{BB962C8B-B14F-4D97-AF65-F5344CB8AC3E}">
         <p14:creationId xmlns:p14="http://schemas.microsoft.com/office/powerpoint/2010/main" val="2768866718"/>
+      </p:ext>
+    </p:extLst>
+  </p:cSld>
+  <p:clrMapOvr>
+    <a:masterClrMapping/>
+  </p:clrMapOvr>
+</p:sld>
+</file>
+
+<file path=ppt/slides/slide6.xml><?xml version="1.0" encoding="utf-8"?>
+<p:sld xmlns:a="http://schemas.openxmlformats.org/drawingml/2006/main" xmlns:r="http://schemas.openxmlformats.org/officeDocument/2006/relationships" xmlns:p="http://schemas.openxmlformats.org/presentationml/2006/main">
+  <p:cSld>
+    <p:spTree>
+      <p:nvGrpSpPr>
+        <p:cNvPr id="1" name=""/>
+        <p:cNvGrpSpPr/>
+        <p:nvPr/>
+      </p:nvGrpSpPr>
+      <p:grpSpPr>
+        <a:xfrm>
+          <a:off x="0" y="0"/>
+          <a:ext cx="0" cy="0"/>
+          <a:chOff x="0" y="0"/>
+          <a:chExt cx="0" cy="0"/>
+        </a:xfrm>
+      </p:grpSpPr>
+      <p:sp>
+        <p:nvSpPr>
+          <p:cNvPr id="2" name="TextBox 1"/>
+          <p:cNvSpPr txBox="1"/>
+          <p:nvPr/>
+        </p:nvSpPr>
+        <p:spPr>
+          <a:xfrm>
+            <a:off x="821494" y="987748"/>
+            <a:ext cx="11960548" cy="1569660"/>
+          </a:xfrm>
+          <a:prstGeom prst="rect">
+            <a:avLst/>
+          </a:prstGeom>
+          <a:noFill/>
+        </p:spPr>
+        <p:txBody>
+          <a:bodyPr wrap="square" rtlCol="0">
+            <a:spAutoFit/>
+          </a:bodyPr>
+          <a:lstStyle/>
+          <a:p>
+            <a:r>
+              <a:rPr lang="ko-KR" altLang="en-US" sz="3200" dirty="0" smtClean="0"/>
+              <a:t>교육 참고 </a:t>
+            </a:r>
+            <a:r>
+              <a:rPr lang="en-US" altLang="ko-KR" sz="3200" dirty="0"/>
+              <a:t>URL : </a:t>
+            </a:r>
+            <a:endParaRPr lang="en-US" altLang="ko-KR" sz="3200" dirty="0" smtClean="0"/>
+          </a:p>
+          <a:p>
+            <a:endParaRPr lang="en-US" altLang="ko-KR" sz="3200" dirty="0"/>
+          </a:p>
+          <a:p>
+            <a:r>
+              <a:rPr lang="en-US" altLang="ko-KR" sz="3200" dirty="0" smtClean="0"/>
+              <a:t>https</a:t>
+            </a:r>
+            <a:r>
+              <a:rPr lang="en-US" altLang="ko-KR" sz="3200" dirty="0"/>
+              <a:t>://github.com/masungil70/Aws-Technical-Essentials</a:t>
+            </a:r>
+            <a:endParaRPr lang="ko-KR" altLang="en-US" sz="3200" dirty="0"/>
+          </a:p>
+        </p:txBody>
+      </p:sp>
+    </p:spTree>
+    <p:extLst>
+      <p:ext uri="{BB962C8B-B14F-4D97-AF65-F5344CB8AC3E}">
+        <p14:creationId xmlns:p14="http://schemas.microsoft.com/office/powerpoint/2010/main" val="3984196042"/>
       </p:ext>
     </p:extLst>
   </p:cSld>
